--- a/FE-dev-0.0.1.pptx
+++ b/FE-dev-0.0.1.pptx
@@ -11,8 +11,13 @@
     <p:sldId id="259" r:id="rId5"/>
     <p:sldId id="257" r:id="rId6"/>
     <p:sldId id="260" r:id="rId7"/>
-    <p:sldId id="262" r:id="rId8"/>
-    <p:sldId id="263" r:id="rId9"/>
+    <p:sldId id="267" r:id="rId8"/>
+    <p:sldId id="262" r:id="rId9"/>
+    <p:sldId id="265" r:id="rId10"/>
+    <p:sldId id="263" r:id="rId11"/>
+    <p:sldId id="268" r:id="rId12"/>
+    <p:sldId id="269" r:id="rId13"/>
+    <p:sldId id="266" r:id="rId14"/>
   </p:sldIdLst>
   <p:sldSz cx="12192000" cy="6858000"/>
   <p:notesSz cx="6858000" cy="9144000"/>
@@ -111,6 +116,11 @@
       </a:defRPr>
     </a:lvl9pPr>
   </p:defaultTextStyle>
+  <p:extLst>
+    <p:ext uri="{EFAFB233-063F-42B5-8137-9DF3F51BA10A}">
+      <p15:sldGuideLst xmlns:p15="http://schemas.microsoft.com/office/powerpoint/2012/main"/>
+    </p:ext>
+  </p:extLst>
 </p:presentation>
 </file>
 
@@ -245,7 +255,7 @@
           <a:p>
             <a:fld id="{E9E15C87-AB6F-4A9E-A728-7B871013B20D}" type="datetimeFigureOut">
               <a:rPr lang="zh-CN" altLang="en-US" smtClean="0"/>
-              <a:t>2013/7/7</a:t>
+              <a:t>2013/7/10</a:t>
             </a:fld>
             <a:endParaRPr lang="zh-CN" altLang="en-US"/>
           </a:p>
@@ -415,7 +425,7 @@
           <a:p>
             <a:fld id="{E9E15C87-AB6F-4A9E-A728-7B871013B20D}" type="datetimeFigureOut">
               <a:rPr lang="zh-CN" altLang="en-US" smtClean="0"/>
-              <a:t>2013/7/7</a:t>
+              <a:t>2013/7/10</a:t>
             </a:fld>
             <a:endParaRPr lang="zh-CN" altLang="en-US"/>
           </a:p>
@@ -595,7 +605,7 @@
           <a:p>
             <a:fld id="{E9E15C87-AB6F-4A9E-A728-7B871013B20D}" type="datetimeFigureOut">
               <a:rPr lang="zh-CN" altLang="en-US" smtClean="0"/>
-              <a:t>2013/7/7</a:t>
+              <a:t>2013/7/10</a:t>
             </a:fld>
             <a:endParaRPr lang="zh-CN" altLang="en-US"/>
           </a:p>
@@ -765,7 +775,7 @@
           <a:p>
             <a:fld id="{E9E15C87-AB6F-4A9E-A728-7B871013B20D}" type="datetimeFigureOut">
               <a:rPr lang="zh-CN" altLang="en-US" smtClean="0"/>
-              <a:t>2013/7/7</a:t>
+              <a:t>2013/7/10</a:t>
             </a:fld>
             <a:endParaRPr lang="zh-CN" altLang="en-US"/>
           </a:p>
@@ -1011,7 +1021,7 @@
           <a:p>
             <a:fld id="{E9E15C87-AB6F-4A9E-A728-7B871013B20D}" type="datetimeFigureOut">
               <a:rPr lang="zh-CN" altLang="en-US" smtClean="0"/>
-              <a:t>2013/7/7</a:t>
+              <a:t>2013/7/10</a:t>
             </a:fld>
             <a:endParaRPr lang="zh-CN" altLang="en-US"/>
           </a:p>
@@ -1243,7 +1253,7 @@
           <a:p>
             <a:fld id="{E9E15C87-AB6F-4A9E-A728-7B871013B20D}" type="datetimeFigureOut">
               <a:rPr lang="zh-CN" altLang="en-US" smtClean="0"/>
-              <a:t>2013/7/7</a:t>
+              <a:t>2013/7/10</a:t>
             </a:fld>
             <a:endParaRPr lang="zh-CN" altLang="en-US"/>
           </a:p>
@@ -1610,7 +1620,7 @@
           <a:p>
             <a:fld id="{E9E15C87-AB6F-4A9E-A728-7B871013B20D}" type="datetimeFigureOut">
               <a:rPr lang="zh-CN" altLang="en-US" smtClean="0"/>
-              <a:t>2013/7/7</a:t>
+              <a:t>2013/7/10</a:t>
             </a:fld>
             <a:endParaRPr lang="zh-CN" altLang="en-US"/>
           </a:p>
@@ -1728,7 +1738,7 @@
           <a:p>
             <a:fld id="{E9E15C87-AB6F-4A9E-A728-7B871013B20D}" type="datetimeFigureOut">
               <a:rPr lang="zh-CN" altLang="en-US" smtClean="0"/>
-              <a:t>2013/7/7</a:t>
+              <a:t>2013/7/10</a:t>
             </a:fld>
             <a:endParaRPr lang="zh-CN" altLang="en-US"/>
           </a:p>
@@ -1823,7 +1833,7 @@
           <a:p>
             <a:fld id="{E9E15C87-AB6F-4A9E-A728-7B871013B20D}" type="datetimeFigureOut">
               <a:rPr lang="zh-CN" altLang="en-US" smtClean="0"/>
-              <a:t>2013/7/7</a:t>
+              <a:t>2013/7/10</a:t>
             </a:fld>
             <a:endParaRPr lang="zh-CN" altLang="en-US"/>
           </a:p>
@@ -2100,7 +2110,7 @@
           <a:p>
             <a:fld id="{E9E15C87-AB6F-4A9E-A728-7B871013B20D}" type="datetimeFigureOut">
               <a:rPr lang="zh-CN" altLang="en-US" smtClean="0"/>
-              <a:t>2013/7/7</a:t>
+              <a:t>2013/7/10</a:t>
             </a:fld>
             <a:endParaRPr lang="zh-CN" altLang="en-US"/>
           </a:p>
@@ -2353,7 +2363,7 @@
           <a:p>
             <a:fld id="{E9E15C87-AB6F-4A9E-A728-7B871013B20D}" type="datetimeFigureOut">
               <a:rPr lang="zh-CN" altLang="en-US" smtClean="0"/>
-              <a:t>2013/7/7</a:t>
+              <a:t>2013/7/10</a:t>
             </a:fld>
             <a:endParaRPr lang="zh-CN" altLang="en-US"/>
           </a:p>
@@ -2566,7 +2576,7 @@
           <a:p>
             <a:fld id="{E9E15C87-AB6F-4A9E-A728-7B871013B20D}" type="datetimeFigureOut">
               <a:rPr lang="zh-CN" altLang="en-US" smtClean="0"/>
-              <a:t>2013/7/7</a:t>
+              <a:t>2013/7/10</a:t>
             </a:fld>
             <a:endParaRPr lang="zh-CN" altLang="en-US"/>
           </a:p>
@@ -3003,14 +3013,14 @@
       </p:pic>
       <p:sp>
         <p:nvSpPr>
-          <p:cNvPr id="5" name="文本框 4"/>
+          <p:cNvPr id="6" name="文本框 5"/>
           <p:cNvSpPr txBox="1"/>
           <p:nvPr/>
         </p:nvSpPr>
         <p:spPr>
           <a:xfrm>
-            <a:off x="4476750" y="1162050"/>
-            <a:ext cx="3505200" cy="523220"/>
+            <a:off x="742950" y="2409825"/>
+            <a:ext cx="5524500" cy="369332"/>
           </a:xfrm>
           <a:prstGeom prst="rect">
             <a:avLst/>
@@ -3024,27 +3034,27 @@
           <a:lstStyle/>
           <a:p>
             <a:r>
-              <a:rPr lang="zh-CN" altLang="en-US" sz="2800" dirty="0" smtClean="0"/>
-              <a:t>一个小</a:t>
-            </a:r>
-            <a:r>
-              <a:rPr lang="en-US" altLang="zh-CN" sz="2800" dirty="0" smtClean="0"/>
-              <a:t>DEMO</a:t>
-            </a:r>
-            <a:endParaRPr lang="zh-CN" altLang="en-US" sz="2800" dirty="0"/>
-          </a:p>
-        </p:txBody>
-      </p:sp>
-      <p:sp>
-        <p:nvSpPr>
-          <p:cNvPr id="6" name="文本框 5"/>
+              <a:rPr lang="zh-CN" altLang="en-US" dirty="0" smtClean="0"/>
+              <a:t>产品：给我在页面上增加一个</a:t>
+            </a:r>
+            <a:r>
+              <a:rPr lang="en-US" altLang="zh-CN" dirty="0" smtClean="0"/>
+              <a:t>Hello world</a:t>
+            </a:r>
+            <a:endParaRPr lang="zh-CN" altLang="en-US" dirty="0"/>
+          </a:p>
+        </p:txBody>
+      </p:sp>
+      <p:sp>
+        <p:nvSpPr>
+          <p:cNvPr id="7" name="文本框 6"/>
           <p:cNvSpPr txBox="1"/>
           <p:nvPr/>
         </p:nvSpPr>
         <p:spPr>
           <a:xfrm>
-            <a:off x="742950" y="2409825"/>
-            <a:ext cx="5524500" cy="369332"/>
+            <a:off x="4195762" y="937826"/>
+            <a:ext cx="3324225" cy="461665"/>
           </a:xfrm>
           <a:prstGeom prst="rect">
             <a:avLst/>
@@ -3058,17 +3068,37 @@
           <a:lstStyle/>
           <a:p>
             <a:r>
-              <a:rPr lang="zh-CN" altLang="en-US" dirty="0" smtClean="0"/>
-              <a:t>产品：给我在页面上增加一个</a:t>
-            </a:r>
-            <a:r>
-              <a:rPr lang="en-US" altLang="zh-CN" dirty="0" smtClean="0"/>
-              <a:t>Hello world</a:t>
-            </a:r>
-            <a:endParaRPr lang="zh-CN" altLang="en-US" dirty="0"/>
-          </a:p>
-        </p:txBody>
-      </p:sp>
+              <a:rPr lang="zh-CN" altLang="en-US" sz="2400" b="1" dirty="0" smtClean="0"/>
+              <a:t>配置开发环境</a:t>
+            </a:r>
+            <a:endParaRPr lang="zh-CN" altLang="en-US" sz="2400" b="1" dirty="0"/>
+          </a:p>
+        </p:txBody>
+      </p:sp>
+      <p:pic>
+        <p:nvPicPr>
+          <p:cNvPr id="2" name="图片 1"/>
+          <p:cNvPicPr>
+            <a:picLocks noChangeAspect="1"/>
+          </p:cNvPicPr>
+          <p:nvPr/>
+        </p:nvPicPr>
+        <p:blipFill>
+          <a:blip r:embed="rId3"/>
+          <a:stretch>
+            <a:fillRect/>
+          </a:stretch>
+        </p:blipFill>
+        <p:spPr>
+          <a:xfrm>
+            <a:off x="6564765" y="3662362"/>
+            <a:ext cx="2638425" cy="2505075"/>
+          </a:xfrm>
+          <a:prstGeom prst="rect">
+            <a:avLst/>
+          </a:prstGeom>
+        </p:spPr>
+      </p:pic>
     </p:spTree>
     <p:extLst>
       <p:ext uri="{BB962C8B-B14F-4D97-AF65-F5344CB8AC3E}">
@@ -3079,6 +3109,1749 @@
   <p:clrMapOvr>
     <a:masterClrMapping/>
   </p:clrMapOvr>
+  <p:timing>
+    <p:tnLst>
+      <p:par>
+        <p:cTn id="1" dur="indefinite" restart="never" nodeType="tmRoot"/>
+      </p:par>
+    </p:tnLst>
+  </p:timing>
+</p:sld>
+</file>
+
+<file path=ppt/slides/slide10.xml><?xml version="1.0" encoding="utf-8"?>
+<p:sld xmlns:a="http://schemas.openxmlformats.org/drawingml/2006/main" xmlns:r="http://schemas.openxmlformats.org/officeDocument/2006/relationships" xmlns:p="http://schemas.openxmlformats.org/presentationml/2006/main">
+  <p:cSld>
+    <p:spTree>
+      <p:nvGrpSpPr>
+        <p:cNvPr id="1" name=""/>
+        <p:cNvGrpSpPr/>
+        <p:nvPr/>
+      </p:nvGrpSpPr>
+      <p:grpSpPr>
+        <a:xfrm>
+          <a:off x="0" y="0"/>
+          <a:ext cx="0" cy="0"/>
+          <a:chOff x="0" y="0"/>
+          <a:chExt cx="0" cy="0"/>
+        </a:xfrm>
+      </p:grpSpPr>
+      <p:pic>
+        <p:nvPicPr>
+          <p:cNvPr id="4" name="图片 3"/>
+          <p:cNvPicPr>
+            <a:picLocks noChangeAspect="1"/>
+          </p:cNvPicPr>
+          <p:nvPr/>
+        </p:nvPicPr>
+        <p:blipFill>
+          <a:blip r:embed="rId2">
+            <a:extLst>
+              <a:ext uri="{28A0092B-C50C-407E-A947-70E740481C1C}">
+                <a14:useLocalDpi xmlns:a14="http://schemas.microsoft.com/office/drawing/2010/main" val="0"/>
+              </a:ext>
+            </a:extLst>
+          </a:blip>
+          <a:stretch>
+            <a:fillRect/>
+          </a:stretch>
+        </p:blipFill>
+        <p:spPr>
+          <a:xfrm>
+            <a:off x="10607448" y="427264"/>
+            <a:ext cx="1057275" cy="342900"/>
+          </a:xfrm>
+          <a:prstGeom prst="rect">
+            <a:avLst/>
+          </a:prstGeom>
+        </p:spPr>
+      </p:pic>
+      <p:sp>
+        <p:nvSpPr>
+          <p:cNvPr id="3" name="文本框 2"/>
+          <p:cNvSpPr txBox="1"/>
+          <p:nvPr/>
+        </p:nvSpPr>
+        <p:spPr>
+          <a:xfrm>
+            <a:off x="4195762" y="937826"/>
+            <a:ext cx="3324225" cy="461665"/>
+          </a:xfrm>
+          <a:prstGeom prst="rect">
+            <a:avLst/>
+          </a:prstGeom>
+          <a:noFill/>
+        </p:spPr>
+        <p:txBody>
+          <a:bodyPr wrap="square" rtlCol="0">
+            <a:spAutoFit/>
+          </a:bodyPr>
+          <a:lstStyle/>
+          <a:p>
+            <a:r>
+              <a:rPr lang="zh-CN" altLang="en-US" sz="2400" b="1" dirty="0" smtClean="0"/>
+              <a:t>工程代码组织形式</a:t>
+            </a:r>
+            <a:endParaRPr lang="zh-CN" altLang="en-US" sz="2400" b="1" dirty="0"/>
+          </a:p>
+        </p:txBody>
+      </p:sp>
+      <p:sp>
+        <p:nvSpPr>
+          <p:cNvPr id="44" name="圆角矩形 43"/>
+          <p:cNvSpPr/>
+          <p:nvPr/>
+        </p:nvSpPr>
+        <p:spPr>
+          <a:xfrm>
+            <a:off x="7015161" y="2571750"/>
+            <a:ext cx="3019425" cy="1905000"/>
+          </a:xfrm>
+          <a:prstGeom prst="roundRect">
+            <a:avLst/>
+          </a:prstGeom>
+          <a:noFill/>
+        </p:spPr>
+        <p:style>
+          <a:lnRef idx="2">
+            <a:schemeClr val="accent1">
+              <a:shade val="50000"/>
+            </a:schemeClr>
+          </a:lnRef>
+          <a:fillRef idx="1">
+            <a:schemeClr val="accent1"/>
+          </a:fillRef>
+          <a:effectRef idx="0">
+            <a:schemeClr val="accent1"/>
+          </a:effectRef>
+          <a:fontRef idx="minor">
+            <a:schemeClr val="lt1"/>
+          </a:fontRef>
+        </p:style>
+        <p:txBody>
+          <a:bodyPr rtlCol="0" anchor="ctr"/>
+          <a:lstStyle/>
+          <a:p>
+            <a:pPr algn="ctr"/>
+            <a:r>
+              <a:rPr lang="en-US" altLang="zh-CN" dirty="0">
+                <a:solidFill>
+                  <a:schemeClr val="bg2">
+                    <a:lumMod val="10000"/>
+                  </a:schemeClr>
+                </a:solidFill>
+              </a:rPr>
+              <a:t>HG</a:t>
+            </a:r>
+            <a:r>
+              <a:rPr lang="zh-CN" altLang="en-US" dirty="0" smtClean="0">
+                <a:solidFill>
+                  <a:schemeClr val="bg2">
+                    <a:lumMod val="10000"/>
+                  </a:schemeClr>
+                </a:solidFill>
+              </a:rPr>
+              <a:t>代码库</a:t>
+            </a:r>
+            <a:endParaRPr lang="zh-CN" altLang="en-US" dirty="0">
+              <a:solidFill>
+                <a:schemeClr val="bg2">
+                  <a:lumMod val="10000"/>
+                </a:schemeClr>
+              </a:solidFill>
+            </a:endParaRPr>
+          </a:p>
+        </p:txBody>
+      </p:sp>
+      <p:sp>
+        <p:nvSpPr>
+          <p:cNvPr id="45" name="圆角矩形 44"/>
+          <p:cNvSpPr/>
+          <p:nvPr/>
+        </p:nvSpPr>
+        <p:spPr>
+          <a:xfrm>
+            <a:off x="1176337" y="2571750"/>
+            <a:ext cx="3019425" cy="1905000"/>
+          </a:xfrm>
+          <a:prstGeom prst="roundRect">
+            <a:avLst/>
+          </a:prstGeom>
+          <a:noFill/>
+        </p:spPr>
+        <p:style>
+          <a:lnRef idx="2">
+            <a:schemeClr val="accent1">
+              <a:shade val="50000"/>
+            </a:schemeClr>
+          </a:lnRef>
+          <a:fillRef idx="1">
+            <a:schemeClr val="accent1"/>
+          </a:fillRef>
+          <a:effectRef idx="0">
+            <a:schemeClr val="accent1"/>
+          </a:effectRef>
+          <a:fontRef idx="minor">
+            <a:schemeClr val="lt1"/>
+          </a:fontRef>
+        </p:style>
+        <p:txBody>
+          <a:bodyPr rtlCol="0" anchor="ctr"/>
+          <a:lstStyle/>
+          <a:p>
+            <a:pPr algn="ctr"/>
+            <a:r>
+              <a:rPr lang="en-US" altLang="zh-CN" dirty="0" smtClean="0">
+                <a:solidFill>
+                  <a:schemeClr val="bg2">
+                    <a:lumMod val="10000"/>
+                  </a:schemeClr>
+                </a:solidFill>
+              </a:rPr>
+              <a:t>SVN</a:t>
+            </a:r>
+            <a:r>
+              <a:rPr lang="zh-CN" altLang="en-US" dirty="0" smtClean="0">
+                <a:solidFill>
+                  <a:schemeClr val="bg2">
+                    <a:lumMod val="10000"/>
+                  </a:schemeClr>
+                </a:solidFill>
+              </a:rPr>
+              <a:t>代码库</a:t>
+            </a:r>
+            <a:endParaRPr lang="zh-CN" altLang="en-US" dirty="0">
+              <a:solidFill>
+                <a:schemeClr val="bg2">
+                  <a:lumMod val="10000"/>
+                </a:schemeClr>
+              </a:solidFill>
+            </a:endParaRPr>
+          </a:p>
+        </p:txBody>
+      </p:sp>
+      <p:cxnSp>
+        <p:nvCxnSpPr>
+          <p:cNvPr id="47" name="直接箭头连接符 46"/>
+          <p:cNvCxnSpPr/>
+          <p:nvPr/>
+        </p:nvCxnSpPr>
+        <p:spPr>
+          <a:xfrm>
+            <a:off x="8524873" y="4543425"/>
+            <a:ext cx="0" cy="1371600"/>
+          </a:xfrm>
+          <a:prstGeom prst="straightConnector1">
+            <a:avLst/>
+          </a:prstGeom>
+          <a:ln>
+            <a:tailEnd type="triangle"/>
+          </a:ln>
+        </p:spPr>
+        <p:style>
+          <a:lnRef idx="1">
+            <a:schemeClr val="accent1"/>
+          </a:lnRef>
+          <a:fillRef idx="0">
+            <a:schemeClr val="accent1"/>
+          </a:fillRef>
+          <a:effectRef idx="0">
+            <a:schemeClr val="accent1"/>
+          </a:effectRef>
+          <a:fontRef idx="minor">
+            <a:schemeClr val="tx1"/>
+          </a:fontRef>
+        </p:style>
+      </p:cxnSp>
+      <p:cxnSp>
+        <p:nvCxnSpPr>
+          <p:cNvPr id="48" name="直接箭头连接符 47"/>
+          <p:cNvCxnSpPr/>
+          <p:nvPr/>
+        </p:nvCxnSpPr>
+        <p:spPr>
+          <a:xfrm flipV="1">
+            <a:off x="8667750" y="4543426"/>
+            <a:ext cx="0" cy="1304924"/>
+          </a:xfrm>
+          <a:prstGeom prst="straightConnector1">
+            <a:avLst/>
+          </a:prstGeom>
+          <a:ln>
+            <a:tailEnd type="triangle"/>
+          </a:ln>
+        </p:spPr>
+        <p:style>
+          <a:lnRef idx="1">
+            <a:schemeClr val="accent1"/>
+          </a:lnRef>
+          <a:fillRef idx="0">
+            <a:schemeClr val="accent1"/>
+          </a:fillRef>
+          <a:effectRef idx="0">
+            <a:schemeClr val="accent1"/>
+          </a:effectRef>
+          <a:fontRef idx="minor">
+            <a:schemeClr val="tx1"/>
+          </a:fontRef>
+        </p:style>
+      </p:cxnSp>
+      <p:sp>
+        <p:nvSpPr>
+          <p:cNvPr id="51" name="文本框 50"/>
+          <p:cNvSpPr txBox="1"/>
+          <p:nvPr/>
+        </p:nvSpPr>
+        <p:spPr>
+          <a:xfrm>
+            <a:off x="7943850" y="5915025"/>
+            <a:ext cx="1447800" cy="369332"/>
+          </a:xfrm>
+          <a:prstGeom prst="rect">
+            <a:avLst/>
+          </a:prstGeom>
+          <a:noFill/>
+        </p:spPr>
+        <p:txBody>
+          <a:bodyPr wrap="square" rtlCol="0">
+            <a:spAutoFit/>
+          </a:bodyPr>
+          <a:lstStyle/>
+          <a:p>
+            <a:r>
+              <a:rPr lang="zh-CN" altLang="en-US" dirty="0" smtClean="0"/>
+              <a:t>开发人员</a:t>
+            </a:r>
+            <a:endParaRPr lang="zh-CN" altLang="en-US" dirty="0"/>
+          </a:p>
+        </p:txBody>
+      </p:sp>
+      <p:cxnSp>
+        <p:nvCxnSpPr>
+          <p:cNvPr id="53" name="直接箭头连接符 52"/>
+          <p:cNvCxnSpPr/>
+          <p:nvPr/>
+        </p:nvCxnSpPr>
+        <p:spPr>
+          <a:xfrm flipH="1">
+            <a:off x="4533900" y="3524250"/>
+            <a:ext cx="2033588" cy="0"/>
+          </a:xfrm>
+          <a:prstGeom prst="straightConnector1">
+            <a:avLst/>
+          </a:prstGeom>
+          <a:ln>
+            <a:tailEnd type="triangle"/>
+          </a:ln>
+        </p:spPr>
+        <p:style>
+          <a:lnRef idx="1">
+            <a:schemeClr val="accent1"/>
+          </a:lnRef>
+          <a:fillRef idx="0">
+            <a:schemeClr val="accent1"/>
+          </a:fillRef>
+          <a:effectRef idx="0">
+            <a:schemeClr val="accent1"/>
+          </a:effectRef>
+          <a:fontRef idx="minor">
+            <a:schemeClr val="tx1"/>
+          </a:fontRef>
+        </p:style>
+      </p:cxnSp>
+      <p:sp>
+        <p:nvSpPr>
+          <p:cNvPr id="59" name="文本框 58"/>
+          <p:cNvSpPr txBox="1"/>
+          <p:nvPr/>
+        </p:nvSpPr>
+        <p:spPr>
+          <a:xfrm>
+            <a:off x="4805361" y="3714750"/>
+            <a:ext cx="1495425" cy="276999"/>
+          </a:xfrm>
+          <a:prstGeom prst="rect">
+            <a:avLst/>
+          </a:prstGeom>
+          <a:noFill/>
+        </p:spPr>
+        <p:txBody>
+          <a:bodyPr wrap="square" rtlCol="0">
+            <a:spAutoFit/>
+          </a:bodyPr>
+          <a:lstStyle/>
+          <a:p>
+            <a:r>
+              <a:rPr lang="en-US" altLang="zh-CN" sz="1200" dirty="0" smtClean="0"/>
+              <a:t>OPM</a:t>
+            </a:r>
+            <a:r>
+              <a:rPr lang="zh-CN" altLang="en-US" sz="1200" dirty="0" smtClean="0"/>
+              <a:t>自动单项同步</a:t>
+            </a:r>
+            <a:endParaRPr lang="zh-CN" altLang="en-US" sz="1200" dirty="0"/>
+          </a:p>
+        </p:txBody>
+      </p:sp>
+      <p:sp>
+        <p:nvSpPr>
+          <p:cNvPr id="62" name="椭圆 61"/>
+          <p:cNvSpPr/>
+          <p:nvPr/>
+        </p:nvSpPr>
+        <p:spPr>
+          <a:xfrm>
+            <a:off x="7453309" y="3853248"/>
+            <a:ext cx="552450" cy="523875"/>
+          </a:xfrm>
+          <a:prstGeom prst="ellipse">
+            <a:avLst/>
+          </a:prstGeom>
+        </p:spPr>
+        <p:style>
+          <a:lnRef idx="2">
+            <a:schemeClr val="accent1">
+              <a:shade val="50000"/>
+            </a:schemeClr>
+          </a:lnRef>
+          <a:fillRef idx="1">
+            <a:schemeClr val="accent1"/>
+          </a:fillRef>
+          <a:effectRef idx="0">
+            <a:schemeClr val="accent1"/>
+          </a:effectRef>
+          <a:fontRef idx="minor">
+            <a:schemeClr val="lt1"/>
+          </a:fontRef>
+        </p:style>
+        <p:txBody>
+          <a:bodyPr rtlCol="0" anchor="ctr"/>
+          <a:lstStyle/>
+          <a:p>
+            <a:pPr algn="ctr"/>
+            <a:r>
+              <a:rPr lang="zh-CN" altLang="en-US" sz="1050" dirty="0" smtClean="0"/>
+              <a:t>工程</a:t>
+            </a:r>
+            <a:r>
+              <a:rPr lang="en-US" altLang="zh-CN" sz="1050" dirty="0" smtClean="0"/>
+              <a:t>A</a:t>
+            </a:r>
+            <a:endParaRPr lang="zh-CN" altLang="en-US" sz="1050" dirty="0"/>
+          </a:p>
+        </p:txBody>
+      </p:sp>
+      <p:sp>
+        <p:nvSpPr>
+          <p:cNvPr id="65" name="椭圆 64"/>
+          <p:cNvSpPr/>
+          <p:nvPr/>
+        </p:nvSpPr>
+        <p:spPr>
+          <a:xfrm>
+            <a:off x="8248648" y="3853248"/>
+            <a:ext cx="552450" cy="523875"/>
+          </a:xfrm>
+          <a:prstGeom prst="ellipse">
+            <a:avLst/>
+          </a:prstGeom>
+        </p:spPr>
+        <p:style>
+          <a:lnRef idx="2">
+            <a:schemeClr val="accent1">
+              <a:shade val="50000"/>
+            </a:schemeClr>
+          </a:lnRef>
+          <a:fillRef idx="1">
+            <a:schemeClr val="accent1"/>
+          </a:fillRef>
+          <a:effectRef idx="0">
+            <a:schemeClr val="accent1"/>
+          </a:effectRef>
+          <a:fontRef idx="minor">
+            <a:schemeClr val="lt1"/>
+          </a:fontRef>
+        </p:style>
+        <p:txBody>
+          <a:bodyPr rtlCol="0" anchor="ctr"/>
+          <a:lstStyle/>
+          <a:p>
+            <a:pPr algn="ctr"/>
+            <a:r>
+              <a:rPr lang="zh-CN" altLang="en-US" sz="1050" dirty="0" smtClean="0"/>
+              <a:t>工程</a:t>
+            </a:r>
+            <a:endParaRPr lang="en-US" altLang="zh-CN" sz="1050" dirty="0" smtClean="0"/>
+          </a:p>
+          <a:p>
+            <a:pPr algn="ctr"/>
+            <a:r>
+              <a:rPr lang="en-US" altLang="zh-CN" sz="1050" dirty="0" smtClean="0"/>
+              <a:t>B</a:t>
+            </a:r>
+            <a:endParaRPr lang="zh-CN" altLang="en-US" sz="1050" dirty="0"/>
+          </a:p>
+        </p:txBody>
+      </p:sp>
+      <p:sp>
+        <p:nvSpPr>
+          <p:cNvPr id="66" name="椭圆 65"/>
+          <p:cNvSpPr/>
+          <p:nvPr/>
+        </p:nvSpPr>
+        <p:spPr>
+          <a:xfrm>
+            <a:off x="9043987" y="3824673"/>
+            <a:ext cx="552450" cy="523875"/>
+          </a:xfrm>
+          <a:prstGeom prst="ellipse">
+            <a:avLst/>
+          </a:prstGeom>
+        </p:spPr>
+        <p:style>
+          <a:lnRef idx="2">
+            <a:schemeClr val="accent1">
+              <a:shade val="50000"/>
+            </a:schemeClr>
+          </a:lnRef>
+          <a:fillRef idx="1">
+            <a:schemeClr val="accent1"/>
+          </a:fillRef>
+          <a:effectRef idx="0">
+            <a:schemeClr val="accent1"/>
+          </a:effectRef>
+          <a:fontRef idx="minor">
+            <a:schemeClr val="lt1"/>
+          </a:fontRef>
+        </p:style>
+        <p:txBody>
+          <a:bodyPr rtlCol="0" anchor="ctr"/>
+          <a:lstStyle/>
+          <a:p>
+            <a:pPr algn="ctr"/>
+            <a:r>
+              <a:rPr lang="zh-CN" altLang="en-US" sz="1050" dirty="0" smtClean="0"/>
+              <a:t>工程</a:t>
+            </a:r>
+            <a:endParaRPr lang="en-US" altLang="zh-CN" sz="1050" dirty="0" smtClean="0"/>
+          </a:p>
+          <a:p>
+            <a:pPr algn="ctr"/>
+            <a:r>
+              <a:rPr lang="en-US" altLang="zh-CN" sz="1050" dirty="0" smtClean="0"/>
+              <a:t>C</a:t>
+            </a:r>
+            <a:endParaRPr lang="zh-CN" altLang="en-US" sz="1050" dirty="0"/>
+          </a:p>
+        </p:txBody>
+      </p:sp>
+      <p:sp>
+        <p:nvSpPr>
+          <p:cNvPr id="67" name="文本框 66"/>
+          <p:cNvSpPr txBox="1"/>
+          <p:nvPr/>
+        </p:nvSpPr>
+        <p:spPr>
+          <a:xfrm>
+            <a:off x="1042987" y="1616289"/>
+            <a:ext cx="1881188" cy="369332"/>
+          </a:xfrm>
+          <a:prstGeom prst="rect">
+            <a:avLst/>
+          </a:prstGeom>
+          <a:noFill/>
+        </p:spPr>
+        <p:txBody>
+          <a:bodyPr wrap="square" rtlCol="0">
+            <a:spAutoFit/>
+          </a:bodyPr>
+          <a:lstStyle/>
+          <a:p>
+            <a:r>
+              <a:rPr lang="zh-CN" altLang="en-US" dirty="0" smtClean="0"/>
+              <a:t>前端整体工程</a:t>
+            </a:r>
+            <a:endParaRPr lang="zh-CN" altLang="en-US" dirty="0"/>
+          </a:p>
+        </p:txBody>
+      </p:sp>
+    </p:spTree>
+    <p:extLst>
+      <p:ext uri="{BB962C8B-B14F-4D97-AF65-F5344CB8AC3E}">
+        <p14:creationId xmlns:p14="http://schemas.microsoft.com/office/powerpoint/2010/main" val="1885923251"/>
+      </p:ext>
+    </p:extLst>
+  </p:cSld>
+  <p:clrMapOvr>
+    <a:masterClrMapping/>
+  </p:clrMapOvr>
+  <p:timing>
+    <p:tnLst>
+      <p:par>
+        <p:cTn id="1" dur="indefinite" restart="never" nodeType="tmRoot"/>
+      </p:par>
+    </p:tnLst>
+  </p:timing>
+</p:sld>
+</file>
+
+<file path=ppt/slides/slide11.xml><?xml version="1.0" encoding="utf-8"?>
+<p:sld xmlns:a="http://schemas.openxmlformats.org/drawingml/2006/main" xmlns:r="http://schemas.openxmlformats.org/officeDocument/2006/relationships" xmlns:p="http://schemas.openxmlformats.org/presentationml/2006/main">
+  <p:cSld>
+    <p:spTree>
+      <p:nvGrpSpPr>
+        <p:cNvPr id="1" name=""/>
+        <p:cNvGrpSpPr/>
+        <p:nvPr/>
+      </p:nvGrpSpPr>
+      <p:grpSpPr>
+        <a:xfrm>
+          <a:off x="0" y="0"/>
+          <a:ext cx="0" cy="0"/>
+          <a:chOff x="0" y="0"/>
+          <a:chExt cx="0" cy="0"/>
+        </a:xfrm>
+      </p:grpSpPr>
+      <p:pic>
+        <p:nvPicPr>
+          <p:cNvPr id="4" name="图片 3"/>
+          <p:cNvPicPr>
+            <a:picLocks noChangeAspect="1"/>
+          </p:cNvPicPr>
+          <p:nvPr/>
+        </p:nvPicPr>
+        <p:blipFill>
+          <a:blip r:embed="rId2">
+            <a:extLst>
+              <a:ext uri="{28A0092B-C50C-407E-A947-70E740481C1C}">
+                <a14:useLocalDpi xmlns:a14="http://schemas.microsoft.com/office/drawing/2010/main" val="0"/>
+              </a:ext>
+            </a:extLst>
+          </a:blip>
+          <a:stretch>
+            <a:fillRect/>
+          </a:stretch>
+        </p:blipFill>
+        <p:spPr>
+          <a:xfrm>
+            <a:off x="10607448" y="427264"/>
+            <a:ext cx="1057275" cy="342900"/>
+          </a:xfrm>
+          <a:prstGeom prst="rect">
+            <a:avLst/>
+          </a:prstGeom>
+        </p:spPr>
+      </p:pic>
+      <p:sp>
+        <p:nvSpPr>
+          <p:cNvPr id="3" name="文本框 2"/>
+          <p:cNvSpPr txBox="1"/>
+          <p:nvPr/>
+        </p:nvSpPr>
+        <p:spPr>
+          <a:xfrm>
+            <a:off x="4195762" y="937826"/>
+            <a:ext cx="3324225" cy="461665"/>
+          </a:xfrm>
+          <a:prstGeom prst="rect">
+            <a:avLst/>
+          </a:prstGeom>
+          <a:noFill/>
+        </p:spPr>
+        <p:txBody>
+          <a:bodyPr wrap="square" rtlCol="0">
+            <a:spAutoFit/>
+          </a:bodyPr>
+          <a:lstStyle/>
+          <a:p>
+            <a:r>
+              <a:rPr lang="zh-CN" altLang="en-US" sz="2400" b="1" dirty="0" smtClean="0"/>
+              <a:t>工程代码组织形式</a:t>
+            </a:r>
+            <a:endParaRPr lang="zh-CN" altLang="en-US" sz="2400" b="1" dirty="0"/>
+          </a:p>
+        </p:txBody>
+      </p:sp>
+      <p:sp>
+        <p:nvSpPr>
+          <p:cNvPr id="5" name="文本框 4"/>
+          <p:cNvSpPr txBox="1"/>
+          <p:nvPr/>
+        </p:nvSpPr>
+        <p:spPr>
+          <a:xfrm>
+            <a:off x="1381124" y="1795122"/>
+            <a:ext cx="4476750" cy="369332"/>
+          </a:xfrm>
+          <a:prstGeom prst="rect">
+            <a:avLst/>
+          </a:prstGeom>
+          <a:noFill/>
+        </p:spPr>
+        <p:txBody>
+          <a:bodyPr wrap="square" rtlCol="0">
+            <a:spAutoFit/>
+          </a:bodyPr>
+          <a:lstStyle/>
+          <a:p>
+            <a:r>
+              <a:rPr lang="zh-CN" altLang="en-US" dirty="0" smtClean="0"/>
+              <a:t>单个项目前端工程</a:t>
+            </a:r>
+            <a:endParaRPr lang="en-US" altLang="zh-CN" dirty="0" smtClean="0"/>
+          </a:p>
+        </p:txBody>
+      </p:sp>
+      <p:sp>
+        <p:nvSpPr>
+          <p:cNvPr id="2" name="圆角矩形 1"/>
+          <p:cNvSpPr/>
+          <p:nvPr/>
+        </p:nvSpPr>
+        <p:spPr>
+          <a:xfrm>
+            <a:off x="1481138" y="2590801"/>
+            <a:ext cx="1624012" cy="895350"/>
+          </a:xfrm>
+          <a:prstGeom prst="roundRect">
+            <a:avLst/>
+          </a:prstGeom>
+        </p:spPr>
+        <p:style>
+          <a:lnRef idx="2">
+            <a:schemeClr val="accent1">
+              <a:shade val="50000"/>
+            </a:schemeClr>
+          </a:lnRef>
+          <a:fillRef idx="1">
+            <a:schemeClr val="accent1"/>
+          </a:fillRef>
+          <a:effectRef idx="0">
+            <a:schemeClr val="accent1"/>
+          </a:effectRef>
+          <a:fontRef idx="minor">
+            <a:schemeClr val="lt1"/>
+          </a:fontRef>
+        </p:style>
+        <p:txBody>
+          <a:bodyPr rtlCol="0" anchor="ctr"/>
+          <a:lstStyle/>
+          <a:p>
+            <a:pPr algn="ctr"/>
+            <a:r>
+              <a:rPr lang="zh-CN" altLang="en-US" dirty="0" smtClean="0"/>
+              <a:t>  功能</a:t>
+            </a:r>
+            <a:r>
+              <a:rPr lang="en-US" altLang="zh-CN" dirty="0" smtClean="0"/>
+              <a:t>1</a:t>
+            </a:r>
+            <a:r>
+              <a:rPr lang="zh-CN" altLang="en-US" dirty="0" smtClean="0"/>
+              <a:t>（</a:t>
+            </a:r>
+            <a:r>
+              <a:rPr lang="en-US" altLang="zh-CN" dirty="0" err="1" smtClean="0"/>
+              <a:t>css,js</a:t>
+            </a:r>
+            <a:r>
+              <a:rPr lang="zh-CN" altLang="en-US" dirty="0" smtClean="0"/>
+              <a:t>）</a:t>
+            </a:r>
+            <a:endParaRPr lang="zh-CN" altLang="en-US" dirty="0"/>
+          </a:p>
+        </p:txBody>
+      </p:sp>
+      <p:sp>
+        <p:nvSpPr>
+          <p:cNvPr id="9" name="圆角矩形 8"/>
+          <p:cNvSpPr/>
+          <p:nvPr/>
+        </p:nvSpPr>
+        <p:spPr>
+          <a:xfrm>
+            <a:off x="3290888" y="2590801"/>
+            <a:ext cx="1624012" cy="895350"/>
+          </a:xfrm>
+          <a:prstGeom prst="roundRect">
+            <a:avLst/>
+          </a:prstGeom>
+        </p:spPr>
+        <p:style>
+          <a:lnRef idx="2">
+            <a:schemeClr val="accent1">
+              <a:shade val="50000"/>
+            </a:schemeClr>
+          </a:lnRef>
+          <a:fillRef idx="1">
+            <a:schemeClr val="accent1"/>
+          </a:fillRef>
+          <a:effectRef idx="0">
+            <a:schemeClr val="accent1"/>
+          </a:effectRef>
+          <a:fontRef idx="minor">
+            <a:schemeClr val="lt1"/>
+          </a:fontRef>
+        </p:style>
+        <p:txBody>
+          <a:bodyPr rtlCol="0" anchor="ctr"/>
+          <a:lstStyle/>
+          <a:p>
+            <a:pPr algn="ctr"/>
+            <a:r>
+              <a:rPr lang="zh-CN" altLang="en-US" dirty="0" smtClean="0"/>
+              <a:t> 功能</a:t>
+            </a:r>
+            <a:r>
+              <a:rPr lang="en-US" altLang="zh-CN" dirty="0" smtClean="0"/>
+              <a:t>2 </a:t>
+            </a:r>
+            <a:r>
+              <a:rPr lang="zh-CN" altLang="en-US" dirty="0" smtClean="0"/>
+              <a:t>（</a:t>
+            </a:r>
+            <a:r>
+              <a:rPr lang="en-US" altLang="zh-CN" dirty="0" err="1" smtClean="0"/>
+              <a:t>css,js</a:t>
+            </a:r>
+            <a:r>
+              <a:rPr lang="zh-CN" altLang="en-US" dirty="0" smtClean="0"/>
+              <a:t>）</a:t>
+            </a:r>
+            <a:endParaRPr lang="zh-CN" altLang="en-US" dirty="0"/>
+          </a:p>
+        </p:txBody>
+      </p:sp>
+      <p:sp>
+        <p:nvSpPr>
+          <p:cNvPr id="10" name="圆角矩形 9"/>
+          <p:cNvSpPr/>
+          <p:nvPr/>
+        </p:nvSpPr>
+        <p:spPr>
+          <a:xfrm>
+            <a:off x="6910388" y="2600327"/>
+            <a:ext cx="1624012" cy="895350"/>
+          </a:xfrm>
+          <a:prstGeom prst="roundRect">
+            <a:avLst/>
+          </a:prstGeom>
+        </p:spPr>
+        <p:style>
+          <a:lnRef idx="2">
+            <a:schemeClr val="accent1">
+              <a:shade val="50000"/>
+            </a:schemeClr>
+          </a:lnRef>
+          <a:fillRef idx="1">
+            <a:schemeClr val="accent1"/>
+          </a:fillRef>
+          <a:effectRef idx="0">
+            <a:schemeClr val="accent1"/>
+          </a:effectRef>
+          <a:fontRef idx="minor">
+            <a:schemeClr val="lt1"/>
+          </a:fontRef>
+        </p:style>
+        <p:txBody>
+          <a:bodyPr rtlCol="0" anchor="ctr"/>
+          <a:lstStyle/>
+          <a:p>
+            <a:pPr algn="ctr"/>
+            <a:r>
+              <a:rPr lang="zh-CN" altLang="en-US" dirty="0" smtClean="0"/>
+              <a:t> 功能</a:t>
+            </a:r>
+            <a:r>
+              <a:rPr lang="en-US" altLang="zh-CN" dirty="0" smtClean="0"/>
+              <a:t>4 </a:t>
+            </a:r>
+            <a:r>
+              <a:rPr lang="zh-CN" altLang="en-US" dirty="0" smtClean="0"/>
+              <a:t>（</a:t>
+            </a:r>
+            <a:r>
+              <a:rPr lang="en-US" altLang="zh-CN" dirty="0" err="1" smtClean="0"/>
+              <a:t>css,js</a:t>
+            </a:r>
+            <a:r>
+              <a:rPr lang="zh-CN" altLang="en-US" dirty="0" smtClean="0"/>
+              <a:t>）</a:t>
+            </a:r>
+            <a:endParaRPr lang="zh-CN" altLang="en-US" dirty="0"/>
+          </a:p>
+        </p:txBody>
+      </p:sp>
+      <p:sp>
+        <p:nvSpPr>
+          <p:cNvPr id="11" name="圆角矩形 10"/>
+          <p:cNvSpPr/>
+          <p:nvPr/>
+        </p:nvSpPr>
+        <p:spPr>
+          <a:xfrm>
+            <a:off x="8720138" y="2600327"/>
+            <a:ext cx="1624012" cy="895350"/>
+          </a:xfrm>
+          <a:prstGeom prst="roundRect">
+            <a:avLst/>
+          </a:prstGeom>
+        </p:spPr>
+        <p:style>
+          <a:lnRef idx="2">
+            <a:schemeClr val="accent1">
+              <a:shade val="50000"/>
+            </a:schemeClr>
+          </a:lnRef>
+          <a:fillRef idx="1">
+            <a:schemeClr val="accent1"/>
+          </a:fillRef>
+          <a:effectRef idx="0">
+            <a:schemeClr val="accent1"/>
+          </a:effectRef>
+          <a:fontRef idx="minor">
+            <a:schemeClr val="lt1"/>
+          </a:fontRef>
+        </p:style>
+        <p:txBody>
+          <a:bodyPr rtlCol="0" anchor="ctr"/>
+          <a:lstStyle/>
+          <a:p>
+            <a:pPr algn="ctr"/>
+            <a:r>
+              <a:rPr lang="zh-CN" altLang="en-US" dirty="0" smtClean="0"/>
+              <a:t> 功能</a:t>
+            </a:r>
+            <a:r>
+              <a:rPr lang="en-US" altLang="zh-CN" dirty="0" smtClean="0"/>
+              <a:t>5 </a:t>
+            </a:r>
+            <a:r>
+              <a:rPr lang="zh-CN" altLang="en-US" dirty="0" smtClean="0"/>
+              <a:t>（</a:t>
+            </a:r>
+            <a:r>
+              <a:rPr lang="en-US" altLang="zh-CN" dirty="0" err="1" smtClean="0"/>
+              <a:t>css,js</a:t>
+            </a:r>
+            <a:r>
+              <a:rPr lang="zh-CN" altLang="en-US" dirty="0" smtClean="0"/>
+              <a:t>）</a:t>
+            </a:r>
+            <a:endParaRPr lang="zh-CN" altLang="en-US" dirty="0"/>
+          </a:p>
+        </p:txBody>
+      </p:sp>
+      <p:sp>
+        <p:nvSpPr>
+          <p:cNvPr id="12" name="圆角矩形 11"/>
+          <p:cNvSpPr/>
+          <p:nvPr/>
+        </p:nvSpPr>
+        <p:spPr>
+          <a:xfrm>
+            <a:off x="5100638" y="2590801"/>
+            <a:ext cx="1624012" cy="895350"/>
+          </a:xfrm>
+          <a:prstGeom prst="roundRect">
+            <a:avLst/>
+          </a:prstGeom>
+        </p:spPr>
+        <p:style>
+          <a:lnRef idx="2">
+            <a:schemeClr val="accent1">
+              <a:shade val="50000"/>
+            </a:schemeClr>
+          </a:lnRef>
+          <a:fillRef idx="1">
+            <a:schemeClr val="accent1"/>
+          </a:fillRef>
+          <a:effectRef idx="0">
+            <a:schemeClr val="accent1"/>
+          </a:effectRef>
+          <a:fontRef idx="minor">
+            <a:schemeClr val="lt1"/>
+          </a:fontRef>
+        </p:style>
+        <p:txBody>
+          <a:bodyPr rtlCol="0" anchor="ctr"/>
+          <a:lstStyle/>
+          <a:p>
+            <a:pPr algn="ctr"/>
+            <a:r>
+              <a:rPr lang="zh-CN" altLang="en-US" dirty="0" smtClean="0"/>
+              <a:t> 功能</a:t>
+            </a:r>
+            <a:r>
+              <a:rPr lang="en-US" altLang="zh-CN" dirty="0" smtClean="0"/>
+              <a:t>3 </a:t>
+            </a:r>
+            <a:r>
+              <a:rPr lang="zh-CN" altLang="en-US" dirty="0" smtClean="0"/>
+              <a:t>（</a:t>
+            </a:r>
+            <a:r>
+              <a:rPr lang="en-US" altLang="zh-CN" dirty="0" err="1" smtClean="0"/>
+              <a:t>css,js</a:t>
+            </a:r>
+            <a:r>
+              <a:rPr lang="zh-CN" altLang="en-US" dirty="0" smtClean="0"/>
+              <a:t>）</a:t>
+            </a:r>
+            <a:endParaRPr lang="zh-CN" altLang="en-US" dirty="0"/>
+          </a:p>
+        </p:txBody>
+      </p:sp>
+      <p:cxnSp>
+        <p:nvCxnSpPr>
+          <p:cNvPr id="16" name="直接箭头连接符 15"/>
+          <p:cNvCxnSpPr>
+            <a:stCxn id="10" idx="2"/>
+          </p:cNvCxnSpPr>
+          <p:nvPr/>
+        </p:nvCxnSpPr>
+        <p:spPr>
+          <a:xfrm flipH="1">
+            <a:off x="5912643" y="3495677"/>
+            <a:ext cx="1809751" cy="1096787"/>
+          </a:xfrm>
+          <a:prstGeom prst="straightConnector1">
+            <a:avLst/>
+          </a:prstGeom>
+          <a:ln>
+            <a:tailEnd type="triangle"/>
+          </a:ln>
+        </p:spPr>
+        <p:style>
+          <a:lnRef idx="1">
+            <a:schemeClr val="accent1"/>
+          </a:lnRef>
+          <a:fillRef idx="0">
+            <a:schemeClr val="accent1"/>
+          </a:fillRef>
+          <a:effectRef idx="0">
+            <a:schemeClr val="accent1"/>
+          </a:effectRef>
+          <a:fontRef idx="minor">
+            <a:schemeClr val="tx1"/>
+          </a:fontRef>
+        </p:style>
+      </p:cxnSp>
+      <p:cxnSp>
+        <p:nvCxnSpPr>
+          <p:cNvPr id="17" name="直接箭头连接符 16"/>
+          <p:cNvCxnSpPr>
+            <a:stCxn id="9" idx="2"/>
+          </p:cNvCxnSpPr>
+          <p:nvPr/>
+        </p:nvCxnSpPr>
+        <p:spPr>
+          <a:xfrm>
+            <a:off x="4102894" y="3486151"/>
+            <a:ext cx="1809749" cy="1106313"/>
+          </a:xfrm>
+          <a:prstGeom prst="straightConnector1">
+            <a:avLst/>
+          </a:prstGeom>
+          <a:ln>
+            <a:tailEnd type="triangle"/>
+          </a:ln>
+        </p:spPr>
+        <p:style>
+          <a:lnRef idx="1">
+            <a:schemeClr val="accent1"/>
+          </a:lnRef>
+          <a:fillRef idx="0">
+            <a:schemeClr val="accent1"/>
+          </a:fillRef>
+          <a:effectRef idx="0">
+            <a:schemeClr val="accent1"/>
+          </a:effectRef>
+          <a:fontRef idx="minor">
+            <a:schemeClr val="tx1"/>
+          </a:fontRef>
+        </p:style>
+      </p:cxnSp>
+      <p:cxnSp>
+        <p:nvCxnSpPr>
+          <p:cNvPr id="19" name="直接箭头连接符 18"/>
+          <p:cNvCxnSpPr/>
+          <p:nvPr/>
+        </p:nvCxnSpPr>
+        <p:spPr>
+          <a:xfrm>
+            <a:off x="2293144" y="3486151"/>
+            <a:ext cx="3619498" cy="1106313"/>
+          </a:xfrm>
+          <a:prstGeom prst="straightConnector1">
+            <a:avLst/>
+          </a:prstGeom>
+          <a:ln>
+            <a:tailEnd type="triangle"/>
+          </a:ln>
+        </p:spPr>
+        <p:style>
+          <a:lnRef idx="1">
+            <a:schemeClr val="accent1"/>
+          </a:lnRef>
+          <a:fillRef idx="0">
+            <a:schemeClr val="accent1"/>
+          </a:fillRef>
+          <a:effectRef idx="0">
+            <a:schemeClr val="accent1"/>
+          </a:effectRef>
+          <a:fontRef idx="minor">
+            <a:schemeClr val="tx1"/>
+          </a:fontRef>
+        </p:style>
+      </p:cxnSp>
+      <p:cxnSp>
+        <p:nvCxnSpPr>
+          <p:cNvPr id="20" name="直接箭头连接符 19"/>
+          <p:cNvCxnSpPr>
+            <a:stCxn id="12" idx="2"/>
+          </p:cNvCxnSpPr>
+          <p:nvPr/>
+        </p:nvCxnSpPr>
+        <p:spPr>
+          <a:xfrm flipH="1">
+            <a:off x="5912643" y="3486151"/>
+            <a:ext cx="1" cy="1106313"/>
+          </a:xfrm>
+          <a:prstGeom prst="straightConnector1">
+            <a:avLst/>
+          </a:prstGeom>
+          <a:ln>
+            <a:tailEnd type="triangle"/>
+          </a:ln>
+        </p:spPr>
+        <p:style>
+          <a:lnRef idx="1">
+            <a:schemeClr val="accent1"/>
+          </a:lnRef>
+          <a:fillRef idx="0">
+            <a:schemeClr val="accent1"/>
+          </a:fillRef>
+          <a:effectRef idx="0">
+            <a:schemeClr val="accent1"/>
+          </a:effectRef>
+          <a:fontRef idx="minor">
+            <a:schemeClr val="tx1"/>
+          </a:fontRef>
+        </p:style>
+      </p:cxnSp>
+      <p:cxnSp>
+        <p:nvCxnSpPr>
+          <p:cNvPr id="26" name="直接箭头连接符 25"/>
+          <p:cNvCxnSpPr/>
+          <p:nvPr/>
+        </p:nvCxnSpPr>
+        <p:spPr>
+          <a:xfrm flipH="1">
+            <a:off x="5912642" y="3343277"/>
+            <a:ext cx="3467100" cy="1249187"/>
+          </a:xfrm>
+          <a:prstGeom prst="straightConnector1">
+            <a:avLst/>
+          </a:prstGeom>
+          <a:ln>
+            <a:tailEnd type="triangle"/>
+          </a:ln>
+        </p:spPr>
+        <p:style>
+          <a:lnRef idx="1">
+            <a:schemeClr val="accent1"/>
+          </a:lnRef>
+          <a:fillRef idx="0">
+            <a:schemeClr val="accent1"/>
+          </a:fillRef>
+          <a:effectRef idx="0">
+            <a:schemeClr val="accent1"/>
+          </a:effectRef>
+          <a:fontRef idx="minor">
+            <a:schemeClr val="tx1"/>
+          </a:fontRef>
+        </p:style>
+      </p:cxnSp>
+      <p:sp>
+        <p:nvSpPr>
+          <p:cNvPr id="28" name="圆角矩形 27"/>
+          <p:cNvSpPr/>
+          <p:nvPr/>
+        </p:nvSpPr>
+        <p:spPr>
+          <a:xfrm>
+            <a:off x="5359000" y="4689129"/>
+            <a:ext cx="1107283" cy="695324"/>
+          </a:xfrm>
+          <a:prstGeom prst="roundRect">
+            <a:avLst/>
+          </a:prstGeom>
+        </p:spPr>
+        <p:style>
+          <a:lnRef idx="2">
+            <a:schemeClr val="accent1">
+              <a:shade val="50000"/>
+            </a:schemeClr>
+          </a:lnRef>
+          <a:fillRef idx="1">
+            <a:schemeClr val="accent1"/>
+          </a:fillRef>
+          <a:effectRef idx="0">
+            <a:schemeClr val="accent1"/>
+          </a:effectRef>
+          <a:fontRef idx="minor">
+            <a:schemeClr val="lt1"/>
+          </a:fontRef>
+        </p:style>
+        <p:txBody>
+          <a:bodyPr rtlCol="0" anchor="ctr"/>
+          <a:lstStyle/>
+          <a:p>
+            <a:pPr algn="ctr"/>
+            <a:r>
+              <a:rPr lang="en-US" altLang="zh-CN" dirty="0" smtClean="0"/>
+              <a:t>OPM</a:t>
+            </a:r>
+            <a:endParaRPr lang="zh-CN" altLang="en-US" dirty="0"/>
+          </a:p>
+        </p:txBody>
+      </p:sp>
+      <p:cxnSp>
+        <p:nvCxnSpPr>
+          <p:cNvPr id="30" name="直接箭头连接符 29"/>
+          <p:cNvCxnSpPr>
+            <a:stCxn id="28" idx="2"/>
+          </p:cNvCxnSpPr>
+          <p:nvPr/>
+        </p:nvCxnSpPr>
+        <p:spPr>
+          <a:xfrm flipH="1">
+            <a:off x="4714875" y="5384453"/>
+            <a:ext cx="1197767" cy="501997"/>
+          </a:xfrm>
+          <a:prstGeom prst="straightConnector1">
+            <a:avLst/>
+          </a:prstGeom>
+          <a:ln>
+            <a:tailEnd type="triangle"/>
+          </a:ln>
+        </p:spPr>
+        <p:style>
+          <a:lnRef idx="1">
+            <a:schemeClr val="accent1"/>
+          </a:lnRef>
+          <a:fillRef idx="0">
+            <a:schemeClr val="accent1"/>
+          </a:fillRef>
+          <a:effectRef idx="0">
+            <a:schemeClr val="accent1"/>
+          </a:effectRef>
+          <a:fontRef idx="minor">
+            <a:schemeClr val="tx1"/>
+          </a:fontRef>
+        </p:style>
+      </p:cxnSp>
+      <p:cxnSp>
+        <p:nvCxnSpPr>
+          <p:cNvPr id="31" name="直接箭头连接符 30"/>
+          <p:cNvCxnSpPr>
+            <a:stCxn id="28" idx="2"/>
+          </p:cNvCxnSpPr>
+          <p:nvPr/>
+        </p:nvCxnSpPr>
+        <p:spPr>
+          <a:xfrm>
+            <a:off x="5912642" y="5384453"/>
+            <a:ext cx="1412083" cy="495300"/>
+          </a:xfrm>
+          <a:prstGeom prst="straightConnector1">
+            <a:avLst/>
+          </a:prstGeom>
+          <a:ln>
+            <a:tailEnd type="triangle"/>
+          </a:ln>
+        </p:spPr>
+        <p:style>
+          <a:lnRef idx="1">
+            <a:schemeClr val="accent1"/>
+          </a:lnRef>
+          <a:fillRef idx="0">
+            <a:schemeClr val="accent1"/>
+          </a:fillRef>
+          <a:effectRef idx="0">
+            <a:schemeClr val="accent1"/>
+          </a:effectRef>
+          <a:fontRef idx="minor">
+            <a:schemeClr val="tx1"/>
+          </a:fontRef>
+        </p:style>
+      </p:cxnSp>
+      <p:sp>
+        <p:nvSpPr>
+          <p:cNvPr id="35" name="文本框 34"/>
+          <p:cNvSpPr txBox="1"/>
+          <p:nvPr/>
+        </p:nvSpPr>
+        <p:spPr>
+          <a:xfrm>
+            <a:off x="4361255" y="5914161"/>
+            <a:ext cx="997745" cy="369332"/>
+          </a:xfrm>
+          <a:prstGeom prst="rect">
+            <a:avLst/>
+          </a:prstGeom>
+          <a:noFill/>
+        </p:spPr>
+        <p:txBody>
+          <a:bodyPr wrap="square" rtlCol="0">
+            <a:spAutoFit/>
+          </a:bodyPr>
+          <a:lstStyle/>
+          <a:p>
+            <a:r>
+              <a:rPr lang="en-US" altLang="zh-CN" dirty="0" smtClean="0"/>
+              <a:t>xxx.js</a:t>
+            </a:r>
+            <a:endParaRPr lang="zh-CN" altLang="en-US" dirty="0"/>
+          </a:p>
+        </p:txBody>
+      </p:sp>
+      <p:sp>
+        <p:nvSpPr>
+          <p:cNvPr id="36" name="文本框 35"/>
+          <p:cNvSpPr txBox="1"/>
+          <p:nvPr/>
+        </p:nvSpPr>
+        <p:spPr>
+          <a:xfrm>
+            <a:off x="6910388" y="5914161"/>
+            <a:ext cx="997745" cy="369332"/>
+          </a:xfrm>
+          <a:prstGeom prst="rect">
+            <a:avLst/>
+          </a:prstGeom>
+          <a:noFill/>
+        </p:spPr>
+        <p:txBody>
+          <a:bodyPr wrap="square" rtlCol="0">
+            <a:spAutoFit/>
+          </a:bodyPr>
+          <a:lstStyle/>
+          <a:p>
+            <a:r>
+              <a:rPr lang="en-US" altLang="zh-CN" dirty="0" smtClean="0"/>
+              <a:t>xxx.css</a:t>
+            </a:r>
+            <a:endParaRPr lang="zh-CN" altLang="en-US" dirty="0"/>
+          </a:p>
+        </p:txBody>
+      </p:sp>
+      <p:cxnSp>
+        <p:nvCxnSpPr>
+          <p:cNvPr id="38" name="直接箭头连接符 37"/>
+          <p:cNvCxnSpPr/>
+          <p:nvPr/>
+        </p:nvCxnSpPr>
+        <p:spPr>
+          <a:xfrm flipV="1">
+            <a:off x="6724650" y="4886325"/>
+            <a:ext cx="1619250" cy="19050"/>
+          </a:xfrm>
+          <a:prstGeom prst="straightConnector1">
+            <a:avLst/>
+          </a:prstGeom>
+          <a:ln>
+            <a:tailEnd type="triangle"/>
+          </a:ln>
+        </p:spPr>
+        <p:style>
+          <a:lnRef idx="1">
+            <a:schemeClr val="accent1"/>
+          </a:lnRef>
+          <a:fillRef idx="0">
+            <a:schemeClr val="accent1"/>
+          </a:fillRef>
+          <a:effectRef idx="0">
+            <a:schemeClr val="accent1"/>
+          </a:effectRef>
+          <a:fontRef idx="minor">
+            <a:schemeClr val="tx1"/>
+          </a:fontRef>
+        </p:style>
+      </p:cxnSp>
+      <p:cxnSp>
+        <p:nvCxnSpPr>
+          <p:cNvPr id="39" name="直接箭头连接符 38"/>
+          <p:cNvCxnSpPr/>
+          <p:nvPr/>
+        </p:nvCxnSpPr>
+        <p:spPr>
+          <a:xfrm flipH="1">
+            <a:off x="6694882" y="5055841"/>
+            <a:ext cx="1649018" cy="20463"/>
+          </a:xfrm>
+          <a:prstGeom prst="straightConnector1">
+            <a:avLst/>
+          </a:prstGeom>
+          <a:ln>
+            <a:tailEnd type="triangle"/>
+          </a:ln>
+        </p:spPr>
+        <p:style>
+          <a:lnRef idx="1">
+            <a:schemeClr val="accent1"/>
+          </a:lnRef>
+          <a:fillRef idx="0">
+            <a:schemeClr val="accent1"/>
+          </a:fillRef>
+          <a:effectRef idx="0">
+            <a:schemeClr val="accent1"/>
+          </a:effectRef>
+          <a:fontRef idx="minor">
+            <a:schemeClr val="tx1"/>
+          </a:fontRef>
+        </p:style>
+      </p:cxnSp>
+      <p:sp>
+        <p:nvSpPr>
+          <p:cNvPr id="42" name="文本框 41"/>
+          <p:cNvSpPr txBox="1"/>
+          <p:nvPr/>
+        </p:nvSpPr>
+        <p:spPr>
+          <a:xfrm>
+            <a:off x="8534400" y="4773969"/>
+            <a:ext cx="2243137" cy="369332"/>
+          </a:xfrm>
+          <a:prstGeom prst="rect">
+            <a:avLst/>
+          </a:prstGeom>
+          <a:noFill/>
+        </p:spPr>
+        <p:txBody>
+          <a:bodyPr wrap="square" rtlCol="0">
+            <a:spAutoFit/>
+          </a:bodyPr>
+          <a:lstStyle/>
+          <a:p>
+            <a:r>
+              <a:rPr lang="en-US" altLang="zh-CN" dirty="0" smtClean="0"/>
+              <a:t>template-config.xml</a:t>
+            </a:r>
+          </a:p>
+        </p:txBody>
+      </p:sp>
+    </p:spTree>
+    <p:extLst>
+      <p:ext uri="{BB962C8B-B14F-4D97-AF65-F5344CB8AC3E}">
+        <p14:creationId xmlns:p14="http://schemas.microsoft.com/office/powerpoint/2010/main" val="727445892"/>
+      </p:ext>
+    </p:extLst>
+  </p:cSld>
+  <p:clrMapOvr>
+    <a:masterClrMapping/>
+  </p:clrMapOvr>
+  <p:timing>
+    <p:tnLst>
+      <p:par>
+        <p:cTn id="1" dur="indefinite" restart="never" nodeType="tmRoot"/>
+      </p:par>
+    </p:tnLst>
+  </p:timing>
+</p:sld>
+</file>
+
+<file path=ppt/slides/slide12.xml><?xml version="1.0" encoding="utf-8"?>
+<p:sld xmlns:a="http://schemas.openxmlformats.org/drawingml/2006/main" xmlns:r="http://schemas.openxmlformats.org/officeDocument/2006/relationships" xmlns:p="http://schemas.openxmlformats.org/presentationml/2006/main">
+  <p:cSld>
+    <p:spTree>
+      <p:nvGrpSpPr>
+        <p:cNvPr id="1" name=""/>
+        <p:cNvGrpSpPr/>
+        <p:nvPr/>
+      </p:nvGrpSpPr>
+      <p:grpSpPr>
+        <a:xfrm>
+          <a:off x="0" y="0"/>
+          <a:ext cx="0" cy="0"/>
+          <a:chOff x="0" y="0"/>
+          <a:chExt cx="0" cy="0"/>
+        </a:xfrm>
+      </p:grpSpPr>
+      <p:pic>
+        <p:nvPicPr>
+          <p:cNvPr id="4" name="图片 3"/>
+          <p:cNvPicPr>
+            <a:picLocks noChangeAspect="1"/>
+          </p:cNvPicPr>
+          <p:nvPr/>
+        </p:nvPicPr>
+        <p:blipFill>
+          <a:blip r:embed="rId2">
+            <a:extLst>
+              <a:ext uri="{28A0092B-C50C-407E-A947-70E740481C1C}">
+                <a14:useLocalDpi xmlns:a14="http://schemas.microsoft.com/office/drawing/2010/main" val="0"/>
+              </a:ext>
+            </a:extLst>
+          </a:blip>
+          <a:stretch>
+            <a:fillRect/>
+          </a:stretch>
+        </p:blipFill>
+        <p:spPr>
+          <a:xfrm>
+            <a:off x="10607448" y="427264"/>
+            <a:ext cx="1057275" cy="342900"/>
+          </a:xfrm>
+          <a:prstGeom prst="rect">
+            <a:avLst/>
+          </a:prstGeom>
+        </p:spPr>
+      </p:pic>
+      <p:sp>
+        <p:nvSpPr>
+          <p:cNvPr id="3" name="文本框 2"/>
+          <p:cNvSpPr txBox="1"/>
+          <p:nvPr/>
+        </p:nvSpPr>
+        <p:spPr>
+          <a:xfrm>
+            <a:off x="4195762" y="937826"/>
+            <a:ext cx="3324225" cy="461665"/>
+          </a:xfrm>
+          <a:prstGeom prst="rect">
+            <a:avLst/>
+          </a:prstGeom>
+          <a:noFill/>
+        </p:spPr>
+        <p:txBody>
+          <a:bodyPr wrap="square" rtlCol="0">
+            <a:spAutoFit/>
+          </a:bodyPr>
+          <a:lstStyle/>
+          <a:p>
+            <a:r>
+              <a:rPr lang="zh-CN" altLang="en-US" sz="2400" b="1" dirty="0" smtClean="0"/>
+              <a:t>职责分类</a:t>
+            </a:r>
+            <a:endParaRPr lang="zh-CN" altLang="en-US" sz="2400" b="1" dirty="0"/>
+          </a:p>
+        </p:txBody>
+      </p:sp>
+      <p:sp>
+        <p:nvSpPr>
+          <p:cNvPr id="5" name="文本框 4"/>
+          <p:cNvSpPr txBox="1"/>
+          <p:nvPr/>
+        </p:nvSpPr>
+        <p:spPr>
+          <a:xfrm>
+            <a:off x="438150" y="2105024"/>
+            <a:ext cx="4476750" cy="369332"/>
+          </a:xfrm>
+          <a:prstGeom prst="rect">
+            <a:avLst/>
+          </a:prstGeom>
+          <a:noFill/>
+        </p:spPr>
+        <p:txBody>
+          <a:bodyPr wrap="square" rtlCol="0">
+            <a:spAutoFit/>
+          </a:bodyPr>
+          <a:lstStyle/>
+          <a:p>
+            <a:pPr marL="342900" indent="-342900">
+              <a:buAutoNum type="arabicPeriod"/>
+            </a:pPr>
+            <a:r>
+              <a:rPr lang="zh-CN" altLang="en-US" dirty="0" smtClean="0"/>
+              <a:t>前后端独立完成各自工程</a:t>
+            </a:r>
+            <a:endParaRPr lang="en-US" altLang="zh-CN" dirty="0" smtClean="0"/>
+          </a:p>
+        </p:txBody>
+      </p:sp>
+      <p:sp>
+        <p:nvSpPr>
+          <p:cNvPr id="9" name="文本框 8"/>
+          <p:cNvSpPr txBox="1"/>
+          <p:nvPr/>
+        </p:nvSpPr>
+        <p:spPr>
+          <a:xfrm>
+            <a:off x="438149" y="2764393"/>
+            <a:ext cx="5419726" cy="369332"/>
+          </a:xfrm>
+          <a:prstGeom prst="rect">
+            <a:avLst/>
+          </a:prstGeom>
+          <a:noFill/>
+        </p:spPr>
+        <p:txBody>
+          <a:bodyPr wrap="square" rtlCol="0">
+            <a:spAutoFit/>
+          </a:bodyPr>
+          <a:lstStyle/>
+          <a:p>
+            <a:r>
+              <a:rPr lang="en-US" altLang="zh-CN" dirty="0"/>
+              <a:t>2</a:t>
+            </a:r>
+            <a:r>
+              <a:rPr lang="en-US" altLang="zh-CN" dirty="0" smtClean="0"/>
+              <a:t>. </a:t>
+            </a:r>
+            <a:r>
+              <a:rPr lang="en-US" altLang="zh-CN" dirty="0" smtClean="0"/>
+              <a:t>  </a:t>
+            </a:r>
+            <a:r>
+              <a:rPr lang="zh-CN" altLang="en-US" dirty="0" smtClean="0"/>
+              <a:t>联合调试</a:t>
+            </a:r>
+            <a:endParaRPr lang="zh-CN" altLang="en-US" dirty="0"/>
+          </a:p>
+        </p:txBody>
+      </p:sp>
+    </p:spTree>
+    <p:extLst>
+      <p:ext uri="{BB962C8B-B14F-4D97-AF65-F5344CB8AC3E}">
+        <p14:creationId xmlns:p14="http://schemas.microsoft.com/office/powerpoint/2010/main" val="2980823968"/>
+      </p:ext>
+    </p:extLst>
+  </p:cSld>
+  <p:clrMapOvr>
+    <a:masterClrMapping/>
+  </p:clrMapOvr>
+  <p:timing>
+    <p:tnLst>
+      <p:par>
+        <p:cTn id="1" dur="indefinite" restart="never" nodeType="tmRoot"/>
+      </p:par>
+    </p:tnLst>
+  </p:timing>
+</p:sld>
+</file>
+
+<file path=ppt/slides/slide13.xml><?xml version="1.0" encoding="utf-8"?>
+<p:sld xmlns:a="http://schemas.openxmlformats.org/drawingml/2006/main" xmlns:r="http://schemas.openxmlformats.org/officeDocument/2006/relationships" xmlns:p="http://schemas.openxmlformats.org/presentationml/2006/main">
+  <p:cSld>
+    <p:spTree>
+      <p:nvGrpSpPr>
+        <p:cNvPr id="1" name=""/>
+        <p:cNvGrpSpPr/>
+        <p:nvPr/>
+      </p:nvGrpSpPr>
+      <p:grpSpPr>
+        <a:xfrm>
+          <a:off x="0" y="0"/>
+          <a:ext cx="0" cy="0"/>
+          <a:chOff x="0" y="0"/>
+          <a:chExt cx="0" cy="0"/>
+        </a:xfrm>
+      </p:grpSpPr>
+      <p:pic>
+        <p:nvPicPr>
+          <p:cNvPr id="4" name="图片 3"/>
+          <p:cNvPicPr>
+            <a:picLocks noChangeAspect="1"/>
+          </p:cNvPicPr>
+          <p:nvPr/>
+        </p:nvPicPr>
+        <p:blipFill>
+          <a:blip r:embed="rId2">
+            <a:extLst>
+              <a:ext uri="{28A0092B-C50C-407E-A947-70E740481C1C}">
+                <a14:useLocalDpi xmlns:a14="http://schemas.microsoft.com/office/drawing/2010/main" val="0"/>
+              </a:ext>
+            </a:extLst>
+          </a:blip>
+          <a:stretch>
+            <a:fillRect/>
+          </a:stretch>
+        </p:blipFill>
+        <p:spPr>
+          <a:xfrm>
+            <a:off x="10607448" y="427264"/>
+            <a:ext cx="1057275" cy="342900"/>
+          </a:xfrm>
+          <a:prstGeom prst="rect">
+            <a:avLst/>
+          </a:prstGeom>
+        </p:spPr>
+      </p:pic>
+      <p:sp>
+        <p:nvSpPr>
+          <p:cNvPr id="3" name="文本框 2"/>
+          <p:cNvSpPr txBox="1"/>
+          <p:nvPr/>
+        </p:nvSpPr>
+        <p:spPr>
+          <a:xfrm>
+            <a:off x="4195762" y="937826"/>
+            <a:ext cx="3324225" cy="461665"/>
+          </a:xfrm>
+          <a:prstGeom prst="rect">
+            <a:avLst/>
+          </a:prstGeom>
+          <a:noFill/>
+        </p:spPr>
+        <p:txBody>
+          <a:bodyPr wrap="square" rtlCol="0">
+            <a:spAutoFit/>
+          </a:bodyPr>
+          <a:lstStyle/>
+          <a:p>
+            <a:r>
+              <a:rPr lang="en-US" altLang="zh-CN" sz="2400" b="1" dirty="0" smtClean="0"/>
+              <a:t>Q &amp; A</a:t>
+            </a:r>
+            <a:endParaRPr lang="zh-CN" altLang="en-US" sz="2400" b="1" dirty="0"/>
+          </a:p>
+        </p:txBody>
+      </p:sp>
+      <p:pic>
+        <p:nvPicPr>
+          <p:cNvPr id="2" name="图片 1"/>
+          <p:cNvPicPr>
+            <a:picLocks noChangeAspect="1"/>
+          </p:cNvPicPr>
+          <p:nvPr/>
+        </p:nvPicPr>
+        <p:blipFill>
+          <a:blip r:embed="rId3"/>
+          <a:stretch>
+            <a:fillRect/>
+          </a:stretch>
+        </p:blipFill>
+        <p:spPr>
+          <a:xfrm>
+            <a:off x="3567112" y="2286000"/>
+            <a:ext cx="2824163" cy="2991751"/>
+          </a:xfrm>
+          <a:prstGeom prst="rect">
+            <a:avLst/>
+          </a:prstGeom>
+        </p:spPr>
+      </p:pic>
+    </p:spTree>
+    <p:extLst>
+      <p:ext uri="{BB962C8B-B14F-4D97-AF65-F5344CB8AC3E}">
+        <p14:creationId xmlns:p14="http://schemas.microsoft.com/office/powerpoint/2010/main" val="2420078495"/>
+      </p:ext>
+    </p:extLst>
+  </p:cSld>
+  <p:clrMapOvr>
+    <a:masterClrMapping/>
+  </p:clrMapOvr>
+  <p:timing>
+    <p:tnLst>
+      <p:par>
+        <p:cTn id="1" dur="indefinite" restart="never" nodeType="tmRoot"/>
+      </p:par>
+    </p:tnLst>
+  </p:timing>
 </p:sld>
 </file>
 
@@ -3193,6 +4966,10 @@
               <a:rPr lang="en-US" altLang="zh-CN" dirty="0" smtClean="0"/>
               <a:t>OPM</a:t>
             </a:r>
+            <a:r>
+              <a:rPr lang="zh-CN" altLang="en-US" dirty="0" smtClean="0"/>
+              <a:t>（一键安装）</a:t>
+            </a:r>
             <a:endParaRPr lang="zh-CN" altLang="en-US" dirty="0"/>
           </a:p>
         </p:txBody>
@@ -3266,7 +5043,7 @@
               <a:t>配置</a:t>
             </a:r>
             <a:r>
-              <a:rPr lang="en-US" altLang="zh-CN" dirty="0" err="1" smtClean="0"/>
+              <a:rPr lang="en-US" altLang="zh-CN" dirty="0" smtClean="0"/>
               <a:t>nginx</a:t>
             </a:r>
             <a:r>
@@ -3383,6 +5160,13 @@
   <p:clrMapOvr>
     <a:masterClrMapping/>
   </p:clrMapOvr>
+  <p:timing>
+    <p:tnLst>
+      <p:par>
+        <p:cTn id="1" dur="indefinite" restart="never" nodeType="tmRoot"/>
+      </p:par>
+    </p:tnLst>
+  </p:timing>
 </p:sld>
 </file>
 
@@ -3503,11 +5287,11 @@
             </a:r>
             <a:r>
               <a:rPr lang="zh-CN" altLang="en-US" dirty="0" smtClean="0"/>
-              <a:t>服务。支付宝</a:t>
-            </a:r>
-            <a:r>
-              <a:rPr lang="en-US" altLang="zh-CN" dirty="0" smtClean="0"/>
-              <a:t>SPM</a:t>
+              <a:t>服务</a:t>
+            </a:r>
+            <a:r>
+              <a:rPr lang="zh-CN" altLang="en-US" dirty="0" smtClean="0"/>
+              <a:t>。</a:t>
             </a:r>
             <a:endParaRPr lang="zh-CN" altLang="en-US" dirty="0"/>
           </a:p>
@@ -3521,8 +5305,8 @@
         </p:nvSpPr>
         <p:spPr>
           <a:xfrm>
-            <a:off x="438149" y="2764393"/>
-            <a:ext cx="8429626" cy="369332"/>
+            <a:off x="438148" y="2764393"/>
+            <a:ext cx="10012137" cy="369332"/>
           </a:xfrm>
           <a:prstGeom prst="rect">
             <a:avLst/>
@@ -3548,7 +5332,7 @@
               <a:t>统一整合管理</a:t>
             </a:r>
             <a:r>
-              <a:rPr lang="en-US" altLang="zh-CN" dirty="0" err="1" smtClean="0"/>
+              <a:rPr lang="en-US" altLang="zh-CN" dirty="0" smtClean="0"/>
               <a:t>css</a:t>
             </a:r>
             <a:r>
@@ -3561,7 +5345,15 @@
             </a:r>
             <a:r>
               <a:rPr lang="zh-CN" altLang="en-US" dirty="0" smtClean="0"/>
-              <a:t>（监听文件的变化，实时编译前端文件）</a:t>
+              <a:t>（监听文件的变化</a:t>
+            </a:r>
+            <a:r>
+              <a:rPr lang="zh-CN" altLang="en-US" dirty="0" smtClean="0"/>
+              <a:t>，在文件被请求时，实时</a:t>
+            </a:r>
+            <a:r>
+              <a:rPr lang="zh-CN" altLang="en-US" dirty="0" smtClean="0"/>
+              <a:t>编译前端文件）</a:t>
             </a:r>
             <a:endParaRPr lang="zh-CN" altLang="en-US" dirty="0"/>
           </a:p>
@@ -3595,7 +5387,15 @@
             </a:r>
             <a:r>
               <a:rPr lang="zh-CN" altLang="en-US" dirty="0" smtClean="0"/>
-              <a:t>通过脚本注入的方式，提供额外的前端开发工具（</a:t>
+              <a:t>通过脚本注入的方式，提供额外的前端</a:t>
+            </a:r>
+            <a:r>
+              <a:rPr lang="zh-CN" altLang="en-US" dirty="0" smtClean="0"/>
+              <a:t>开发支持工具</a:t>
+            </a:r>
+            <a:r>
+              <a:rPr lang="zh-CN" altLang="en-US" dirty="0" smtClean="0"/>
+              <a:t>（</a:t>
             </a:r>
             <a:r>
               <a:rPr lang="en-US" altLang="zh-CN" dirty="0" smtClean="0"/>
@@ -3623,6 +5423,13 @@
   <p:clrMapOvr>
     <a:masterClrMapping/>
   </p:clrMapOvr>
+  <p:timing>
+    <p:tnLst>
+      <p:par>
+        <p:cTn id="1" dur="indefinite" restart="never" nodeType="tmRoot"/>
+      </p:par>
+    </p:tnLst>
+  </p:timing>
 </p:sld>
 </file>
 
@@ -3868,7 +5675,7 @@
               <a:t>启动</a:t>
             </a:r>
             <a:r>
-              <a:rPr lang="en-US" altLang="zh-CN" dirty="0" err="1" smtClean="0"/>
+              <a:rPr lang="en-US" altLang="zh-CN" dirty="0" smtClean="0"/>
               <a:t>nginx</a:t>
             </a:r>
             <a:endParaRPr lang="zh-CN" altLang="en-US" dirty="0"/>
@@ -3885,6 +5692,13 @@
   <p:clrMapOvr>
     <a:masterClrMapping/>
   </p:clrMapOvr>
+  <p:timing>
+    <p:tnLst>
+      <p:par>
+        <p:cTn id="1" dur="indefinite" restart="never" nodeType="tmRoot"/>
+      </p:par>
+    </p:tnLst>
+  </p:timing>
 </p:sld>
 </file>
 
@@ -3962,7 +5776,7 @@
               <a:t>基本步骤一（</a:t>
             </a:r>
             <a:r>
-              <a:rPr lang="en-US" altLang="zh-CN" sz="2400" b="1" dirty="0" err="1" smtClean="0"/>
+              <a:rPr lang="en-US" altLang="zh-CN" sz="2400" b="1" dirty="0" smtClean="0"/>
               <a:t>js</a:t>
             </a:r>
             <a:r>
@@ -4004,7 +5818,7 @@
               <a:t>编写</a:t>
             </a:r>
             <a:r>
-              <a:rPr lang="en-US" altLang="zh-CN" dirty="0" err="1" smtClean="0"/>
+              <a:rPr lang="en-US" altLang="zh-CN" dirty="0" smtClean="0"/>
               <a:t>js</a:t>
             </a:r>
             <a:endParaRPr lang="zh-CN" altLang="en-US" dirty="0"/>
@@ -4054,7 +5868,7 @@
               <a:t>的整合前端</a:t>
             </a:r>
             <a:r>
-              <a:rPr lang="en-US" altLang="zh-CN" dirty="0" err="1" smtClean="0"/>
+              <a:rPr lang="en-US" altLang="zh-CN" dirty="0" smtClean="0"/>
               <a:t>js</a:t>
             </a:r>
             <a:r>
@@ -4195,6 +6009,13 @@
   <p:clrMapOvr>
     <a:masterClrMapping/>
   </p:clrMapOvr>
+  <p:timing>
+    <p:tnLst>
+      <p:par>
+        <p:cTn id="1" dur="indefinite" restart="never" nodeType="tmRoot"/>
+      </p:par>
+    </p:tnLst>
+  </p:timing>
 </p:sld>
 </file>
 
@@ -4272,7 +6093,7 @@
               <a:t>基本步骤一（</a:t>
             </a:r>
             <a:r>
-              <a:rPr lang="en-US" altLang="zh-CN" sz="2400" b="1" dirty="0" err="1" smtClean="0"/>
+              <a:rPr lang="en-US" altLang="zh-CN" sz="2400" b="1" dirty="0" smtClean="0"/>
               <a:t>css</a:t>
             </a:r>
             <a:r>
@@ -4314,7 +6135,7 @@
               <a:t>编写</a:t>
             </a:r>
             <a:r>
-              <a:rPr lang="en-US" altLang="zh-CN" dirty="0" err="1"/>
+              <a:rPr lang="en-US" altLang="zh-CN" dirty="0"/>
               <a:t>css</a:t>
             </a:r>
             <a:endParaRPr lang="zh-CN" altLang="en-US" dirty="0"/>
@@ -4364,7 +6185,7 @@
               <a:t>的方式整合进工程的</a:t>
             </a:r>
             <a:r>
-              <a:rPr lang="en-US" altLang="zh-CN" dirty="0" err="1" smtClean="0"/>
+              <a:rPr lang="en-US" altLang="zh-CN" dirty="0" smtClean="0"/>
               <a:t>css</a:t>
             </a:r>
             <a:r>
@@ -4380,7 +6201,7 @@
               <a:t>会进行实时的编译成一个大的</a:t>
             </a:r>
             <a:r>
-              <a:rPr lang="en-US" altLang="zh-CN" dirty="0" err="1" smtClean="0"/>
+              <a:rPr lang="en-US" altLang="zh-CN" dirty="0" smtClean="0"/>
               <a:t>css</a:t>
             </a:r>
             <a:r>
@@ -4422,7 +6243,7 @@
               <a:t>（同</a:t>
             </a:r>
             <a:r>
-              <a:rPr lang="en-US" altLang="zh-CN" dirty="0" err="1" smtClean="0"/>
+              <a:rPr lang="en-US" altLang="zh-CN" dirty="0" smtClean="0"/>
               <a:t>js</a:t>
             </a:r>
             <a:r>
@@ -4443,6 +6264,13 @@
   <p:clrMapOvr>
     <a:masterClrMapping/>
   </p:clrMapOvr>
+  <p:timing>
+    <p:tnLst>
+      <p:par>
+        <p:cTn id="1" dur="indefinite" restart="never" nodeType="tmRoot"/>
+      </p:par>
+    </p:tnLst>
+  </p:timing>
 </p:sld>
 </file>
 
@@ -4517,7 +6345,19 @@
           <a:p>
             <a:r>
               <a:rPr lang="zh-CN" altLang="en-US" sz="2400" b="1" dirty="0" smtClean="0"/>
-              <a:t>代码提交</a:t>
+              <a:t>基本步骤一</a:t>
+            </a:r>
+            <a:r>
+              <a:rPr lang="zh-CN" altLang="en-US" sz="2400" b="1" dirty="0" smtClean="0"/>
+              <a:t>（</a:t>
+            </a:r>
+            <a:r>
+              <a:rPr lang="en-US" altLang="zh-CN" sz="2400" b="1" dirty="0" smtClean="0"/>
+              <a:t>HTML</a:t>
+            </a:r>
+            <a:r>
+              <a:rPr lang="zh-CN" altLang="en-US" sz="2400" b="1" dirty="0" smtClean="0"/>
+              <a:t>）</a:t>
             </a:r>
             <a:endParaRPr lang="zh-CN" altLang="en-US" sz="2400" b="1" dirty="0"/>
           </a:p>
@@ -4532,7 +6372,7 @@
         <p:spPr>
           <a:xfrm>
             <a:off x="438150" y="2105025"/>
-            <a:ext cx="4429125" cy="369332"/>
+            <a:ext cx="6048375" cy="369332"/>
           </a:xfrm>
           <a:prstGeom prst="rect">
             <a:avLst/>
@@ -4546,170 +6386,28 @@
           <a:lstStyle/>
           <a:p>
             <a:r>
-              <a:rPr lang="zh-CN" altLang="en-US" dirty="0" smtClean="0"/>
-              <a:t>和中央</a:t>
-            </a:r>
-            <a:r>
-              <a:rPr lang="en-US" altLang="zh-CN" dirty="0" smtClean="0"/>
-              <a:t>Mercurial</a:t>
-            </a:r>
-            <a:r>
-              <a:rPr lang="zh-CN" altLang="en-US" dirty="0" smtClean="0"/>
-              <a:t>服务器进行合并</a:t>
-            </a:r>
-            <a:endParaRPr lang="zh-CN" altLang="en-US" dirty="0"/>
-          </a:p>
-        </p:txBody>
-      </p:sp>
-      <p:sp>
-        <p:nvSpPr>
-          <p:cNvPr id="6" name="文本框 5"/>
-          <p:cNvSpPr txBox="1"/>
-          <p:nvPr/>
-        </p:nvSpPr>
-        <p:spPr>
-          <a:xfrm>
-            <a:off x="438148" y="2764393"/>
-            <a:ext cx="9639302" cy="369332"/>
-          </a:xfrm>
-          <a:prstGeom prst="rect">
-            <a:avLst/>
-          </a:prstGeom>
-          <a:noFill/>
-        </p:spPr>
-        <p:txBody>
-          <a:bodyPr wrap="square" rtlCol="0">
-            <a:spAutoFit/>
-          </a:bodyPr>
-          <a:lstStyle/>
-          <a:p>
-            <a:r>
               <a:rPr lang="en-US" altLang="zh-CN" dirty="0" smtClean="0"/>
               <a:t>1. </a:t>
             </a:r>
             <a:r>
               <a:rPr lang="zh-CN" altLang="en-US" dirty="0" smtClean="0"/>
-              <a:t>合并</a:t>
-            </a:r>
-            <a:r>
-              <a:rPr lang="en-US" altLang="zh-CN" dirty="0" smtClean="0"/>
-              <a:t>Mercurial</a:t>
-            </a:r>
-            <a:r>
-              <a:rPr lang="zh-CN" altLang="en-US" dirty="0" smtClean="0"/>
-              <a:t>工程的代码</a:t>
-            </a:r>
-            <a:endParaRPr lang="zh-CN" altLang="en-US" dirty="0"/>
-          </a:p>
-        </p:txBody>
-      </p:sp>
-      <p:sp>
-        <p:nvSpPr>
-          <p:cNvPr id="7" name="文本框 6"/>
-          <p:cNvSpPr txBox="1"/>
-          <p:nvPr/>
-        </p:nvSpPr>
-        <p:spPr>
-          <a:xfrm>
-            <a:off x="438149" y="3423761"/>
-            <a:ext cx="7267576" cy="369332"/>
-          </a:xfrm>
-          <a:prstGeom prst="rect">
-            <a:avLst/>
-          </a:prstGeom>
-          <a:noFill/>
-        </p:spPr>
-        <p:txBody>
-          <a:bodyPr wrap="square" rtlCol="0">
-            <a:spAutoFit/>
-          </a:bodyPr>
-          <a:lstStyle/>
-          <a:p>
-            <a:r>
-              <a:rPr lang="en-US" altLang="zh-CN" dirty="0" smtClean="0"/>
-              <a:t>2. </a:t>
-            </a:r>
-            <a:r>
-              <a:rPr lang="zh-CN" altLang="en-US" dirty="0" smtClean="0"/>
-              <a:t>读取</a:t>
-            </a:r>
-            <a:r>
-              <a:rPr lang="en-US" altLang="zh-CN" dirty="0" smtClean="0"/>
-              <a:t>Mercurial</a:t>
-            </a:r>
-            <a:r>
-              <a:rPr lang="zh-CN" altLang="en-US" dirty="0" smtClean="0"/>
-              <a:t>前端工程的配置文件，合并</a:t>
-            </a:r>
-            <a:r>
-              <a:rPr lang="en-US" altLang="zh-CN" dirty="0" err="1" smtClean="0"/>
-              <a:t>css</a:t>
-            </a:r>
-            <a:r>
-              <a:rPr lang="zh-CN" altLang="en-US" dirty="0" smtClean="0"/>
-              <a:t>和</a:t>
-            </a:r>
-            <a:r>
-              <a:rPr lang="en-US" altLang="zh-CN" dirty="0" err="1" smtClean="0"/>
-              <a:t>js</a:t>
-            </a:r>
-            <a:r>
-              <a:rPr lang="zh-CN" altLang="en-US" dirty="0" smtClean="0"/>
-              <a:t>，提交</a:t>
-            </a:r>
-            <a:r>
-              <a:rPr lang="en-US" altLang="zh-CN" dirty="0" err="1" smtClean="0"/>
-              <a:t>svn</a:t>
-            </a:r>
-            <a:r>
-              <a:rPr lang="en-US" altLang="zh-CN" dirty="0" smtClean="0"/>
-              <a:t> </a:t>
-            </a:r>
-            <a:endParaRPr lang="zh-CN" altLang="en-US" dirty="0"/>
-          </a:p>
-        </p:txBody>
-      </p:sp>
-      <p:sp>
-        <p:nvSpPr>
-          <p:cNvPr id="8" name="文本框 7"/>
-          <p:cNvSpPr txBox="1"/>
-          <p:nvPr/>
-        </p:nvSpPr>
-        <p:spPr>
-          <a:xfrm>
-            <a:off x="438148" y="4083129"/>
-            <a:ext cx="7267576" cy="369332"/>
-          </a:xfrm>
-          <a:prstGeom prst="rect">
-            <a:avLst/>
-          </a:prstGeom>
-          <a:noFill/>
-        </p:spPr>
-        <p:txBody>
-          <a:bodyPr wrap="square" rtlCol="0">
-            <a:spAutoFit/>
-          </a:bodyPr>
-          <a:lstStyle/>
-          <a:p>
-            <a:r>
-              <a:rPr lang="en-US" altLang="zh-CN" dirty="0"/>
-              <a:t>3</a:t>
-            </a:r>
-            <a:r>
-              <a:rPr lang="en-US" altLang="zh-CN" dirty="0" smtClean="0"/>
-              <a:t>. </a:t>
-            </a:r>
-            <a:r>
-              <a:rPr lang="en-US" altLang="zh-CN" dirty="0" err="1"/>
-              <a:t>s</a:t>
-            </a:r>
-            <a:r>
-              <a:rPr lang="en-US" altLang="zh-CN" dirty="0" err="1" smtClean="0"/>
-              <a:t>vn</a:t>
-            </a:r>
-            <a:r>
-              <a:rPr lang="zh-CN" altLang="en-US" dirty="0" smtClean="0"/>
-              <a:t>代码是理论上是不允许手动修改的</a:t>
+              <a:t>用</a:t>
+            </a:r>
+            <a:r>
+              <a:rPr lang="en-US" altLang="zh-CN" dirty="0" smtClean="0"/>
+              <a:t>vim</a:t>
+            </a:r>
+            <a:r>
+              <a:rPr lang="zh-CN" altLang="en-US" dirty="0" smtClean="0"/>
+              <a:t>直接编辑服务器</a:t>
+            </a:r>
+            <a:r>
+              <a:rPr lang="en-US" altLang="zh-CN" dirty="0" smtClean="0"/>
+              <a:t>html</a:t>
+            </a:r>
+            <a:r>
+              <a:rPr lang="zh-CN" altLang="en-US" dirty="0" smtClean="0"/>
+              <a:t>，或者通过同步工具编辑</a:t>
             </a:r>
             <a:endParaRPr lang="zh-CN" altLang="en-US" dirty="0"/>
           </a:p>
@@ -4718,13 +6416,20 @@
     </p:spTree>
     <p:extLst>
       <p:ext uri="{BB962C8B-B14F-4D97-AF65-F5344CB8AC3E}">
-        <p14:creationId xmlns:p14="http://schemas.microsoft.com/office/powerpoint/2010/main" val="1965445715"/>
+        <p14:creationId xmlns:p14="http://schemas.microsoft.com/office/powerpoint/2010/main" val="2934574425"/>
       </p:ext>
     </p:extLst>
   </p:cSld>
   <p:clrMapOvr>
     <a:masterClrMapping/>
   </p:clrMapOvr>
+  <p:timing>
+    <p:tnLst>
+      <p:par>
+        <p:cTn id="1" dur="indefinite" restart="never" nodeType="tmRoot"/>
+      </p:par>
+    </p:tnLst>
+  </p:timing>
 </p:sld>
 </file>
 
@@ -4799,15 +6504,7 @@
           <a:p>
             <a:r>
               <a:rPr lang="zh-CN" altLang="en-US" sz="2400" b="1" dirty="0" smtClean="0"/>
-              <a:t>测试</a:t>
-            </a:r>
-            <a:r>
-              <a:rPr lang="en-US" altLang="zh-CN" sz="2400" b="1" dirty="0" smtClean="0"/>
-              <a:t>&amp;</a:t>
-            </a:r>
-            <a:r>
-              <a:rPr lang="zh-CN" altLang="en-US" sz="2400" b="1" dirty="0" smtClean="0"/>
-              <a:t>上线</a:t>
+              <a:t>代码提交</a:t>
             </a:r>
             <a:endParaRPr lang="zh-CN" altLang="en-US" sz="2400" b="1" dirty="0"/>
           </a:p>
@@ -4822,7 +6519,7 @@
         <p:spPr>
           <a:xfrm>
             <a:off x="438150" y="2105025"/>
-            <a:ext cx="4429125" cy="923330"/>
+            <a:ext cx="4429125" cy="369332"/>
           </a:xfrm>
           <a:prstGeom prst="rect">
             <a:avLst/>
@@ -4835,73 +6532,505 @@
           </a:bodyPr>
           <a:lstStyle/>
           <a:p>
-            <a:pPr marL="342900" indent="-342900">
-              <a:buAutoNum type="arabicPeriod"/>
-            </a:pPr>
-            <a:r>
-              <a:rPr lang="zh-CN" altLang="en-US" dirty="0" smtClean="0"/>
-              <a:t>关于代码的混淆和压缩</a:t>
-            </a:r>
-            <a:endParaRPr lang="en-US" altLang="zh-CN" dirty="0" smtClean="0"/>
-          </a:p>
+            <a:r>
+              <a:rPr lang="zh-CN" altLang="en-US" dirty="0" smtClean="0"/>
+              <a:t>和中央</a:t>
+            </a:r>
+            <a:r>
+              <a:rPr lang="en-US" altLang="zh-CN" dirty="0" smtClean="0"/>
+              <a:t>Mercurial</a:t>
+            </a:r>
+            <a:r>
+              <a:rPr lang="zh-CN" altLang="en-US" dirty="0" smtClean="0"/>
+              <a:t>服务器进行合并</a:t>
+            </a:r>
+            <a:endParaRPr lang="zh-CN" altLang="en-US" dirty="0"/>
+          </a:p>
+        </p:txBody>
+      </p:sp>
+      <p:sp>
+        <p:nvSpPr>
+          <p:cNvPr id="6" name="文本框 5"/>
+          <p:cNvSpPr txBox="1"/>
+          <p:nvPr/>
+        </p:nvSpPr>
+        <p:spPr>
+          <a:xfrm>
+            <a:off x="438148" y="2764393"/>
+            <a:ext cx="9639302" cy="369332"/>
+          </a:xfrm>
+          <a:prstGeom prst="rect">
+            <a:avLst/>
+          </a:prstGeom>
+          <a:noFill/>
+        </p:spPr>
+        <p:txBody>
+          <a:bodyPr wrap="square" rtlCol="0">
+            <a:spAutoFit/>
+          </a:bodyPr>
+          <a:lstStyle/>
+          <a:p>
+            <a:r>
+              <a:rPr lang="en-US" altLang="zh-CN" dirty="0" smtClean="0"/>
+              <a:t>1. </a:t>
+            </a:r>
+            <a:r>
+              <a:rPr lang="zh-CN" altLang="en-US" dirty="0" smtClean="0"/>
+              <a:t>合并</a:t>
+            </a:r>
+            <a:r>
+              <a:rPr lang="en-US" altLang="zh-CN" dirty="0" smtClean="0"/>
+              <a:t>Mercurial</a:t>
+            </a:r>
+            <a:r>
+              <a:rPr lang="zh-CN" altLang="en-US" dirty="0" smtClean="0"/>
+              <a:t>工程的代码</a:t>
+            </a:r>
+            <a:endParaRPr lang="zh-CN" altLang="en-US" dirty="0"/>
+          </a:p>
+        </p:txBody>
+      </p:sp>
+      <p:sp>
+        <p:nvSpPr>
+          <p:cNvPr id="7" name="文本框 6"/>
+          <p:cNvSpPr txBox="1"/>
+          <p:nvPr/>
+        </p:nvSpPr>
+        <p:spPr>
+          <a:xfrm>
+            <a:off x="438149" y="3423761"/>
+            <a:ext cx="9039226" cy="369332"/>
+          </a:xfrm>
+          <a:prstGeom prst="rect">
+            <a:avLst/>
+          </a:prstGeom>
+          <a:noFill/>
+        </p:spPr>
+        <p:txBody>
+          <a:bodyPr wrap="square" rtlCol="0">
+            <a:spAutoFit/>
+          </a:bodyPr>
+          <a:lstStyle/>
+          <a:p>
+            <a:r>
+              <a:rPr lang="en-US" altLang="zh-CN" dirty="0" smtClean="0"/>
+              <a:t>2. </a:t>
+            </a:r>
+            <a:r>
+              <a:rPr lang="zh-CN" altLang="en-US" dirty="0" smtClean="0"/>
+              <a:t>读取</a:t>
+            </a:r>
+            <a:r>
+              <a:rPr lang="en-US" altLang="zh-CN" dirty="0" smtClean="0"/>
+              <a:t>Mercurial</a:t>
+            </a:r>
+            <a:r>
+              <a:rPr lang="zh-CN" altLang="en-US" dirty="0" smtClean="0"/>
+              <a:t>前端工程的</a:t>
+            </a:r>
+            <a:r>
+              <a:rPr lang="zh-CN" altLang="en-US" dirty="0" smtClean="0"/>
+              <a:t>配置文件</a:t>
+            </a:r>
+            <a:r>
+              <a:rPr lang="en-US" altLang="zh-CN" dirty="0" smtClean="0"/>
+              <a:t>(template-config.xml)</a:t>
+            </a:r>
+            <a:r>
+              <a:rPr lang="zh-CN" altLang="en-US" dirty="0" smtClean="0"/>
+              <a:t>，</a:t>
+            </a:r>
+            <a:r>
+              <a:rPr lang="zh-CN" altLang="en-US" dirty="0" smtClean="0"/>
+              <a:t>合并</a:t>
+            </a:r>
+            <a:r>
+              <a:rPr lang="en-US" altLang="zh-CN" dirty="0" smtClean="0"/>
+              <a:t>css</a:t>
+            </a:r>
+            <a:r>
+              <a:rPr lang="zh-CN" altLang="en-US" dirty="0" smtClean="0"/>
+              <a:t>和</a:t>
+            </a:r>
+            <a:r>
+              <a:rPr lang="en-US" altLang="zh-CN" dirty="0" smtClean="0"/>
+              <a:t>js</a:t>
+            </a:r>
+            <a:r>
+              <a:rPr lang="zh-CN" altLang="en-US" dirty="0" smtClean="0"/>
+              <a:t>，提交</a:t>
+            </a:r>
+            <a:r>
+              <a:rPr lang="en-US" altLang="zh-CN" dirty="0" smtClean="0"/>
+              <a:t>svn </a:t>
+            </a:r>
+            <a:endParaRPr lang="zh-CN" altLang="en-US" dirty="0"/>
+          </a:p>
+        </p:txBody>
+      </p:sp>
+      <p:sp>
+        <p:nvSpPr>
+          <p:cNvPr id="8" name="文本框 7"/>
+          <p:cNvSpPr txBox="1"/>
+          <p:nvPr/>
+        </p:nvSpPr>
+        <p:spPr>
+          <a:xfrm>
+            <a:off x="438148" y="4083129"/>
+            <a:ext cx="7267576" cy="369332"/>
+          </a:xfrm>
+          <a:prstGeom prst="rect">
+            <a:avLst/>
+          </a:prstGeom>
+          <a:noFill/>
+        </p:spPr>
+        <p:txBody>
+          <a:bodyPr wrap="square" rtlCol="0">
+            <a:spAutoFit/>
+          </a:bodyPr>
+          <a:lstStyle/>
           <a:p>
             <a:r>
               <a:rPr lang="en-US" altLang="zh-CN" dirty="0"/>
-              <a:t> </a:t>
-            </a:r>
-            <a:r>
-              <a:rPr lang="en-US" altLang="zh-CN" dirty="0" smtClean="0"/>
-              <a:t>      a). </a:t>
-            </a:r>
-            <a:r>
-              <a:rPr lang="zh-CN" altLang="en-US" dirty="0" smtClean="0"/>
-              <a:t>通过</a:t>
-            </a:r>
-            <a:r>
-              <a:rPr lang="en-US" altLang="zh-CN" dirty="0" smtClean="0"/>
-              <a:t>OPM</a:t>
-            </a:r>
-            <a:r>
-              <a:rPr lang="zh-CN" altLang="en-US" dirty="0" smtClean="0"/>
-              <a:t>配置文件完成</a:t>
-            </a:r>
-            <a:endParaRPr lang="en-US" altLang="zh-CN" dirty="0" smtClean="0"/>
-          </a:p>
-          <a:p>
+              <a:t>3</a:t>
+            </a:r>
+            <a:r>
+              <a:rPr lang="en-US" altLang="zh-CN" dirty="0" smtClean="0"/>
+              <a:t>. </a:t>
+            </a:r>
             <a:r>
               <a:rPr lang="en-US" altLang="zh-CN" dirty="0"/>
-              <a:t> </a:t>
-            </a:r>
-            <a:r>
-              <a:rPr lang="en-US" altLang="zh-CN" dirty="0" smtClean="0"/>
-              <a:t>      b). </a:t>
-            </a:r>
-            <a:r>
-              <a:rPr lang="zh-CN" altLang="en-US" dirty="0" smtClean="0"/>
-              <a:t>后端</a:t>
-            </a:r>
-            <a:r>
-              <a:rPr lang="en-US" altLang="zh-CN" dirty="0" smtClean="0"/>
-              <a:t>java</a:t>
-            </a:r>
-            <a:r>
-              <a:rPr lang="zh-CN" altLang="en-US" dirty="0" smtClean="0"/>
-              <a:t>库完成</a:t>
-            </a:r>
-            <a:endParaRPr lang="en-US" altLang="zh-CN" dirty="0" smtClean="0"/>
+              <a:t>s</a:t>
+            </a:r>
+            <a:r>
+              <a:rPr lang="en-US" altLang="zh-CN" dirty="0" smtClean="0"/>
+              <a:t>vn</a:t>
+            </a:r>
+            <a:r>
+              <a:rPr lang="zh-CN" altLang="en-US" dirty="0" smtClean="0"/>
+              <a:t>代码是</a:t>
+            </a:r>
+            <a:r>
+              <a:rPr lang="zh-CN" altLang="en-US" dirty="0" smtClean="0"/>
+              <a:t>理论上</a:t>
+            </a:r>
+            <a:r>
+              <a:rPr lang="zh-CN" altLang="en-US" dirty="0"/>
+              <a:t>讲</a:t>
+            </a:r>
+            <a:r>
+              <a:rPr lang="zh-CN" altLang="en-US" dirty="0" smtClean="0"/>
+              <a:t>是</a:t>
+            </a:r>
+            <a:r>
+              <a:rPr lang="zh-CN" altLang="en-US" dirty="0" smtClean="0"/>
+              <a:t>不允许手动修改</a:t>
+            </a:r>
+            <a:r>
+              <a:rPr lang="zh-CN" altLang="en-US" dirty="0" smtClean="0"/>
+              <a:t>的，和线上代码保持同步</a:t>
+            </a:r>
+            <a:endParaRPr lang="zh-CN" altLang="en-US" dirty="0"/>
           </a:p>
         </p:txBody>
       </p:sp>
     </p:spTree>
     <p:extLst>
       <p:ext uri="{BB962C8B-B14F-4D97-AF65-F5344CB8AC3E}">
-        <p14:creationId xmlns:p14="http://schemas.microsoft.com/office/powerpoint/2010/main" val="1885923251"/>
+        <p14:creationId xmlns:p14="http://schemas.microsoft.com/office/powerpoint/2010/main" val="1965445715"/>
       </p:ext>
     </p:extLst>
   </p:cSld>
   <p:clrMapOvr>
     <a:masterClrMapping/>
   </p:clrMapOvr>
+  <p:timing>
+    <p:tnLst>
+      <p:par>
+        <p:cTn id="1" dur="indefinite" restart="never" nodeType="tmRoot"/>
+      </p:par>
+    </p:tnLst>
+  </p:timing>
+</p:sld>
+</file>
+
+<file path=ppt/slides/slide9.xml><?xml version="1.0" encoding="utf-8"?>
+<p:sld xmlns:a="http://schemas.openxmlformats.org/drawingml/2006/main" xmlns:r="http://schemas.openxmlformats.org/officeDocument/2006/relationships" xmlns:p="http://schemas.openxmlformats.org/presentationml/2006/main">
+  <p:cSld>
+    <p:spTree>
+      <p:nvGrpSpPr>
+        <p:cNvPr id="1" name=""/>
+        <p:cNvGrpSpPr/>
+        <p:nvPr/>
+      </p:nvGrpSpPr>
+      <p:grpSpPr>
+        <a:xfrm>
+          <a:off x="0" y="0"/>
+          <a:ext cx="0" cy="0"/>
+          <a:chOff x="0" y="0"/>
+          <a:chExt cx="0" cy="0"/>
+        </a:xfrm>
+      </p:grpSpPr>
+      <p:pic>
+        <p:nvPicPr>
+          <p:cNvPr id="4" name="图片 3"/>
+          <p:cNvPicPr>
+            <a:picLocks noChangeAspect="1"/>
+          </p:cNvPicPr>
+          <p:nvPr/>
+        </p:nvPicPr>
+        <p:blipFill>
+          <a:blip r:embed="rId2">
+            <a:extLst>
+              <a:ext uri="{28A0092B-C50C-407E-A947-70E740481C1C}">
+                <a14:useLocalDpi xmlns:a14="http://schemas.microsoft.com/office/drawing/2010/main" val="0"/>
+              </a:ext>
+            </a:extLst>
+          </a:blip>
+          <a:stretch>
+            <a:fillRect/>
+          </a:stretch>
+        </p:blipFill>
+        <p:spPr>
+          <a:xfrm>
+            <a:off x="10607448" y="427264"/>
+            <a:ext cx="1057275" cy="342900"/>
+          </a:xfrm>
+          <a:prstGeom prst="rect">
+            <a:avLst/>
+          </a:prstGeom>
+        </p:spPr>
+      </p:pic>
+      <p:sp>
+        <p:nvSpPr>
+          <p:cNvPr id="3" name="文本框 2"/>
+          <p:cNvSpPr txBox="1"/>
+          <p:nvPr/>
+        </p:nvSpPr>
+        <p:spPr>
+          <a:xfrm>
+            <a:off x="4195762" y="937826"/>
+            <a:ext cx="3324225" cy="461665"/>
+          </a:xfrm>
+          <a:prstGeom prst="rect">
+            <a:avLst/>
+          </a:prstGeom>
+          <a:noFill/>
+        </p:spPr>
+        <p:txBody>
+          <a:bodyPr wrap="square" rtlCol="0">
+            <a:spAutoFit/>
+          </a:bodyPr>
+          <a:lstStyle/>
+          <a:p>
+            <a:r>
+              <a:rPr lang="zh-CN" altLang="en-US" sz="2400" b="1" dirty="0" smtClean="0"/>
+              <a:t>测试</a:t>
+            </a:r>
+            <a:r>
+              <a:rPr lang="en-US" altLang="zh-CN" sz="2400" b="1" dirty="0" smtClean="0"/>
+              <a:t>&amp;</a:t>
+            </a:r>
+            <a:r>
+              <a:rPr lang="zh-CN" altLang="en-US" sz="2400" b="1" dirty="0" smtClean="0"/>
+              <a:t>上线</a:t>
+            </a:r>
+            <a:endParaRPr lang="zh-CN" altLang="en-US" sz="2400" b="1" dirty="0"/>
+          </a:p>
+        </p:txBody>
+      </p:sp>
+      <p:sp>
+        <p:nvSpPr>
+          <p:cNvPr id="5" name="文本框 4"/>
+          <p:cNvSpPr txBox="1"/>
+          <p:nvPr/>
+        </p:nvSpPr>
+        <p:spPr>
+          <a:xfrm>
+            <a:off x="438150" y="2105024"/>
+            <a:ext cx="4476750" cy="923330"/>
+          </a:xfrm>
+          <a:prstGeom prst="rect">
+            <a:avLst/>
+          </a:prstGeom>
+          <a:noFill/>
+        </p:spPr>
+        <p:txBody>
+          <a:bodyPr wrap="square" rtlCol="0">
+            <a:spAutoFit/>
+          </a:bodyPr>
+          <a:lstStyle/>
+          <a:p>
+            <a:pPr marL="342900" indent="-342900">
+              <a:buAutoNum type="arabicPeriod"/>
+            </a:pPr>
+            <a:r>
+              <a:rPr lang="zh-CN" altLang="en-US" dirty="0" smtClean="0"/>
+              <a:t>关于代码的混淆和压缩</a:t>
+            </a:r>
+            <a:endParaRPr lang="en-US" altLang="zh-CN" dirty="0" smtClean="0"/>
+          </a:p>
+          <a:p>
+            <a:r>
+              <a:rPr lang="en-US" altLang="zh-CN" dirty="0"/>
+              <a:t> </a:t>
+            </a:r>
+            <a:r>
+              <a:rPr lang="en-US" altLang="zh-CN" dirty="0" smtClean="0"/>
+              <a:t>      a). </a:t>
+            </a:r>
+            <a:r>
+              <a:rPr lang="zh-CN" altLang="en-US" dirty="0" smtClean="0"/>
+              <a:t>通过</a:t>
+            </a:r>
+            <a:r>
+              <a:rPr lang="en-US" altLang="zh-CN" dirty="0" smtClean="0"/>
+              <a:t>OPM</a:t>
+            </a:r>
+            <a:r>
+              <a:rPr lang="zh-CN" altLang="en-US" dirty="0" smtClean="0"/>
+              <a:t>配置文件完成</a:t>
+            </a:r>
+            <a:endParaRPr lang="en-US" altLang="zh-CN" dirty="0" smtClean="0"/>
+          </a:p>
+          <a:p>
+            <a:r>
+              <a:rPr lang="en-US" altLang="zh-CN" dirty="0"/>
+              <a:t> </a:t>
+            </a:r>
+            <a:r>
+              <a:rPr lang="en-US" altLang="zh-CN" dirty="0" smtClean="0"/>
+              <a:t>      b). </a:t>
+            </a:r>
+            <a:r>
+              <a:rPr lang="zh-CN" altLang="en-US" dirty="0" smtClean="0"/>
+              <a:t>后端</a:t>
+            </a:r>
+            <a:r>
+              <a:rPr lang="en-US" altLang="zh-CN" dirty="0" smtClean="0"/>
+              <a:t>java</a:t>
+            </a:r>
+            <a:r>
+              <a:rPr lang="zh-CN" altLang="en-US" dirty="0" smtClean="0"/>
+              <a:t>库完成</a:t>
+            </a:r>
+            <a:endParaRPr lang="en-US" altLang="zh-CN" dirty="0" smtClean="0"/>
+          </a:p>
+        </p:txBody>
+      </p:sp>
+      <p:sp>
+        <p:nvSpPr>
+          <p:cNvPr id="6" name="文本框 5"/>
+          <p:cNvSpPr txBox="1"/>
+          <p:nvPr/>
+        </p:nvSpPr>
+        <p:spPr>
+          <a:xfrm>
+            <a:off x="438150" y="3371849"/>
+            <a:ext cx="4476750" cy="369332"/>
+          </a:xfrm>
+          <a:prstGeom prst="rect">
+            <a:avLst/>
+          </a:prstGeom>
+          <a:noFill/>
+        </p:spPr>
+        <p:txBody>
+          <a:bodyPr wrap="square" rtlCol="0">
+            <a:spAutoFit/>
+          </a:bodyPr>
+          <a:lstStyle/>
+          <a:p>
+            <a:r>
+              <a:rPr lang="en-US" altLang="zh-CN" dirty="0" smtClean="0"/>
+              <a:t>2.   </a:t>
+            </a:r>
+            <a:r>
+              <a:rPr lang="zh-CN" altLang="en-US" dirty="0" smtClean="0"/>
+              <a:t>通过了</a:t>
+            </a:r>
+            <a:r>
+              <a:rPr lang="en-US" altLang="zh-CN" dirty="0" smtClean="0"/>
+              <a:t>bug</a:t>
+            </a:r>
+            <a:r>
+              <a:rPr lang="zh-CN" altLang="en-US" dirty="0" smtClean="0"/>
+              <a:t>跟踪系统进行</a:t>
+            </a:r>
+            <a:r>
+              <a:rPr lang="en-US" altLang="zh-CN" dirty="0" smtClean="0"/>
+              <a:t>bug</a:t>
+            </a:r>
+            <a:r>
+              <a:rPr lang="zh-CN" altLang="en-US" dirty="0" smtClean="0"/>
+              <a:t>修复</a:t>
+            </a:r>
+            <a:endParaRPr lang="en-US" altLang="zh-CN" dirty="0" smtClean="0"/>
+          </a:p>
+        </p:txBody>
+      </p:sp>
+      <p:sp>
+        <p:nvSpPr>
+          <p:cNvPr id="7" name="文本框 6"/>
+          <p:cNvSpPr txBox="1"/>
+          <p:nvPr/>
+        </p:nvSpPr>
+        <p:spPr>
+          <a:xfrm>
+            <a:off x="438149" y="4084676"/>
+            <a:ext cx="5343525" cy="369332"/>
+          </a:xfrm>
+          <a:prstGeom prst="rect">
+            <a:avLst/>
+          </a:prstGeom>
+          <a:noFill/>
+        </p:spPr>
+        <p:txBody>
+          <a:bodyPr wrap="square" rtlCol="0">
+            <a:spAutoFit/>
+          </a:bodyPr>
+          <a:lstStyle/>
+          <a:p>
+            <a:r>
+              <a:rPr lang="en-US" altLang="zh-CN" dirty="0"/>
+              <a:t>3</a:t>
+            </a:r>
+            <a:r>
+              <a:rPr lang="en-US" altLang="zh-CN" dirty="0" smtClean="0"/>
+              <a:t>.   </a:t>
+            </a:r>
+            <a:r>
+              <a:rPr lang="zh-CN" altLang="en-US" dirty="0" smtClean="0"/>
+              <a:t>防止浏览器缓存，给静态文件打上</a:t>
+            </a:r>
+            <a:r>
+              <a:rPr lang="en-US" altLang="zh-CN" dirty="0" smtClean="0"/>
+              <a:t>SVN</a:t>
+            </a:r>
+            <a:r>
+              <a:rPr lang="zh-CN" altLang="en-US" dirty="0" smtClean="0"/>
+              <a:t>版本号</a:t>
+            </a:r>
+            <a:endParaRPr lang="en-US" altLang="zh-CN" dirty="0" smtClean="0"/>
+          </a:p>
+        </p:txBody>
+      </p:sp>
+    </p:spTree>
+    <p:extLst>
+      <p:ext uri="{BB962C8B-B14F-4D97-AF65-F5344CB8AC3E}">
+        <p14:creationId xmlns:p14="http://schemas.microsoft.com/office/powerpoint/2010/main" val="770748839"/>
+      </p:ext>
+    </p:extLst>
+  </p:cSld>
+  <p:clrMapOvr>
+    <a:masterClrMapping/>
+  </p:clrMapOvr>
+  <p:timing>
+    <p:tnLst>
+      <p:par>
+        <p:cTn id="1" dur="indefinite" restart="never" nodeType="tmRoot"/>
+      </p:par>
+    </p:tnLst>
+  </p:timing>
 </p:sld>
 </file>
 

--- a/FE-dev-0.0.1.pptx
+++ b/FE-dev-0.0.1.pptx
@@ -4700,11 +4700,7 @@
             </a:r>
             <a:r>
               <a:rPr lang="en-US" altLang="zh-CN" dirty="0" smtClean="0"/>
-              <a:t>. </a:t>
-            </a:r>
-            <a:r>
-              <a:rPr lang="en-US" altLang="zh-CN" dirty="0" smtClean="0"/>
-              <a:t>  </a:t>
+              <a:t>.   </a:t>
             </a:r>
             <a:r>
               <a:rPr lang="zh-CN" altLang="en-US" dirty="0" smtClean="0"/>
@@ -5287,11 +5283,7 @@
             </a:r>
             <a:r>
               <a:rPr lang="zh-CN" altLang="en-US" dirty="0" smtClean="0"/>
-              <a:t>服务</a:t>
-            </a:r>
-            <a:r>
-              <a:rPr lang="zh-CN" altLang="en-US" dirty="0" smtClean="0"/>
-              <a:t>。</a:t>
+              <a:t>服务。</a:t>
             </a:r>
             <a:endParaRPr lang="zh-CN" altLang="en-US" dirty="0"/>
           </a:p>
@@ -5345,15 +5337,7 @@
             </a:r>
             <a:r>
               <a:rPr lang="zh-CN" altLang="en-US" dirty="0" smtClean="0"/>
-              <a:t>（监听文件的变化</a:t>
-            </a:r>
-            <a:r>
-              <a:rPr lang="zh-CN" altLang="en-US" dirty="0" smtClean="0"/>
-              <a:t>，在文件被请求时，实时</a:t>
-            </a:r>
-            <a:r>
-              <a:rPr lang="zh-CN" altLang="en-US" dirty="0" smtClean="0"/>
-              <a:t>编译前端文件）</a:t>
+              <a:t>（监听文件的变化，在文件被请求时，实时编译前端文件）</a:t>
             </a:r>
             <a:endParaRPr lang="zh-CN" altLang="en-US" dirty="0"/>
           </a:p>
@@ -5387,15 +5371,7 @@
             </a:r>
             <a:r>
               <a:rPr lang="zh-CN" altLang="en-US" dirty="0" smtClean="0"/>
-              <a:t>通过脚本注入的方式，提供额外的前端</a:t>
-            </a:r>
-            <a:r>
-              <a:rPr lang="zh-CN" altLang="en-US" dirty="0" smtClean="0"/>
-              <a:t>开发支持工具</a:t>
-            </a:r>
-            <a:r>
-              <a:rPr lang="zh-CN" altLang="en-US" dirty="0" smtClean="0"/>
-              <a:t>（</a:t>
+              <a:t>通过脚本注入的方式，提供额外的前端开发支持工具（</a:t>
             </a:r>
             <a:r>
               <a:rPr lang="en-US" altLang="zh-CN" dirty="0" smtClean="0"/>
@@ -5408,6 +5384,37 @@
             <a:r>
               <a:rPr lang="en-US" altLang="zh-CN" dirty="0" smtClean="0"/>
               <a:t> </a:t>
+            </a:r>
+            <a:endParaRPr lang="zh-CN" altLang="en-US" dirty="0"/>
+          </a:p>
+        </p:txBody>
+      </p:sp>
+      <p:sp>
+        <p:nvSpPr>
+          <p:cNvPr id="2" name="矩形 1"/>
+          <p:cNvSpPr/>
+          <p:nvPr/>
+        </p:nvSpPr>
+        <p:spPr>
+          <a:xfrm>
+            <a:off x="438148" y="4083129"/>
+            <a:ext cx="4215962" cy="369332"/>
+          </a:xfrm>
+          <a:prstGeom prst="rect">
+            <a:avLst/>
+          </a:prstGeom>
+        </p:spPr>
+        <p:txBody>
+          <a:bodyPr wrap="none">
+            <a:spAutoFit/>
+          </a:bodyPr>
+          <a:lstStyle/>
+          <a:p>
+            <a:r>
+              <a:rPr lang="en-US" altLang="zh-CN" dirty="0">
+                <a:hlinkClick r:id="rId3"/>
+              </a:rPr>
+              <a:t>https://code.google.com/p/staticcompiler/</a:t>
             </a:r>
             <a:endParaRPr lang="zh-CN" altLang="en-US" dirty="0"/>
           </a:p>
@@ -6345,11 +6352,7 @@
           <a:p>
             <a:r>
               <a:rPr lang="zh-CN" altLang="en-US" sz="2400" b="1" dirty="0" smtClean="0"/>
-              <a:t>基本步骤一</a:t>
-            </a:r>
-            <a:r>
-              <a:rPr lang="zh-CN" altLang="en-US" sz="2400" b="1" dirty="0" smtClean="0"/>
-              <a:t>（</a:t>
+              <a:t>基本步骤一（</a:t>
             </a:r>
             <a:r>
               <a:rPr lang="en-US" altLang="zh-CN" sz="2400" b="1" dirty="0" smtClean="0"/>
@@ -6626,11 +6629,7 @@
             </a:r>
             <a:r>
               <a:rPr lang="zh-CN" altLang="en-US" dirty="0" smtClean="0"/>
-              <a:t>前端工程的</a:t>
-            </a:r>
-            <a:r>
-              <a:rPr lang="zh-CN" altLang="en-US" dirty="0" smtClean="0"/>
-              <a:t>配置文件</a:t>
+              <a:t>前端工程的配置文件</a:t>
             </a:r>
             <a:r>
               <a:rPr lang="en-US" altLang="zh-CN" dirty="0" smtClean="0"/>
@@ -6638,11 +6637,7 @@
             </a:r>
             <a:r>
               <a:rPr lang="zh-CN" altLang="en-US" dirty="0" smtClean="0"/>
-              <a:t>，</a:t>
-            </a:r>
-            <a:r>
-              <a:rPr lang="zh-CN" altLang="en-US" dirty="0" smtClean="0"/>
-              <a:t>合并</a:t>
+              <a:t>，合并</a:t>
             </a:r>
             <a:r>
               <a:rPr lang="en-US" altLang="zh-CN" dirty="0" smtClean="0"/>
@@ -6708,11 +6703,7 @@
             </a:r>
             <a:r>
               <a:rPr lang="zh-CN" altLang="en-US" dirty="0" smtClean="0"/>
-              <a:t>代码是</a:t>
-            </a:r>
-            <a:r>
-              <a:rPr lang="zh-CN" altLang="en-US" dirty="0" smtClean="0"/>
-              <a:t>理论上</a:t>
+              <a:t>代码是理论上</a:t>
             </a:r>
             <a:r>
               <a:rPr lang="zh-CN" altLang="en-US" dirty="0"/>
@@ -6720,15 +6711,7 @@
             </a:r>
             <a:r>
               <a:rPr lang="zh-CN" altLang="en-US" dirty="0" smtClean="0"/>
-              <a:t>是</a:t>
-            </a:r>
-            <a:r>
-              <a:rPr lang="zh-CN" altLang="en-US" dirty="0" smtClean="0"/>
-              <a:t>不允许手动修改</a:t>
-            </a:r>
-            <a:r>
-              <a:rPr lang="zh-CN" altLang="en-US" dirty="0" smtClean="0"/>
-              <a:t>的，和线上代码保持同步</a:t>
+              <a:t>是不允许手动修改的，和线上代码保持同步</a:t>
             </a:r>
             <a:endParaRPr lang="zh-CN" altLang="en-US" dirty="0"/>
           </a:p>
